--- a/2주차_템플릿.pptx
+++ b/2주차_템플릿.pptx
@@ -16,6 +16,18 @@
     <p:sldId id="264" r:id="rId10"/>
     <p:sldId id="265" r:id="rId11"/>
     <p:sldId id="266" r:id="rId12"/>
+    <p:sldId id="267" r:id="rId13"/>
+    <p:sldId id="268" r:id="rId14"/>
+    <p:sldId id="269" r:id="rId15"/>
+    <p:sldId id="270" r:id="rId16"/>
+    <p:sldId id="271" r:id="rId17"/>
+    <p:sldId id="272" r:id="rId18"/>
+    <p:sldId id="273" r:id="rId19"/>
+    <p:sldId id="274" r:id="rId20"/>
+    <p:sldId id="275" r:id="rId21"/>
+    <p:sldId id="276" r:id="rId22"/>
+    <p:sldId id="277" r:id="rId23"/>
+    <p:sldId id="278" r:id="rId24"/>
   </p:sldIdLst>
   <p:sldSz cx="18288000" cy="10287000" type="screen4x3"/>
   <p:notesSz cx="10287000" cy="18288000"/>
@@ -303,7 +315,7 @@
           <a:p>
             <a:fld id="{F8166F1F-CE9B-4651-A6AA-CD717754106B}" type="datetimeFigureOut">
               <a:rPr lang="en-US" smtClean="0"/>
-              <a:t>10/26/2021</a:t>
+              <a:t>10/29/2021</a:t>
             </a:fld>
             <a:endParaRPr lang="en-US"/>
           </a:p>
@@ -810,7 +822,7 @@
           <a:p>
             <a:fld id="{A76116CE-C4A3-4A05-B2D7-7C2E9A889C0F}" type="datetimeFigureOut">
               <a:rPr lang="en-US" smtClean="0"/>
-              <a:t>10/26/2021</a:t>
+              <a:t>10/29/2021</a:t>
             </a:fld>
             <a:endParaRPr lang="en-US"/>
           </a:p>
@@ -1051,7 +1063,7 @@
           <a:p>
             <a:fld id="{A76116CE-C4A3-4A05-B2D7-7C2E9A889C0F}" type="datetimeFigureOut">
               <a:rPr lang="en-US" smtClean="0"/>
-              <a:t>10/26/2021</a:t>
+              <a:t>10/29/2021</a:t>
             </a:fld>
             <a:endParaRPr lang="en-US"/>
           </a:p>
@@ -3866,9 +3878,9 @@
         </p:nvGrpSpPr>
         <p:grpSpPr>
           <a:xfrm>
-            <a:off x="2542209" y="3771909"/>
+            <a:off x="2935966" y="3800720"/>
             <a:ext cx="10874394" cy="3883712"/>
-            <a:chOff x="2542209" y="3771909"/>
+            <a:chOff x="2935966" y="3800720"/>
             <a:chExt cx="10874394" cy="3883712"/>
           </a:xfrm>
         </p:grpSpPr>
@@ -3888,7 +3900,7 @@
           </p:blipFill>
           <p:spPr>
             <a:xfrm>
-              <a:off x="2542209" y="3771909"/>
+              <a:off x="2935966" y="3800720"/>
               <a:ext cx="10874394" cy="3883712"/>
             </a:xfrm>
             <a:prstGeom prst="rect">
@@ -3913,7 +3925,7 @@
         </p:blipFill>
         <p:spPr>
           <a:xfrm>
-            <a:off x="1515243" y="2726758"/>
+            <a:off x="1909001" y="2755569"/>
             <a:ext cx="11210389" cy="676985"/>
           </a:xfrm>
           <a:prstGeom prst="rect">
@@ -3937,7 +3949,7 @@
         </p:blipFill>
         <p:spPr>
           <a:xfrm>
-            <a:off x="6808633" y="3999243"/>
+            <a:off x="7202390" y="4028054"/>
             <a:ext cx="3675105" cy="468560"/>
           </a:xfrm>
           <a:prstGeom prst="rect">
@@ -3961,8 +3973,4244 @@
         </p:blipFill>
         <p:spPr>
           <a:xfrm>
-            <a:off x="8905372" y="6082839"/>
+            <a:off x="9299130" y="6111650"/>
             <a:ext cx="3880629" cy="468560"/>
+          </a:xfrm>
+          <a:prstGeom prst="rect">
+            <a:avLst/>
+          </a:prstGeom>
+        </p:spPr>
+      </p:pic>
+    </p:spTree>
+  </p:cSld>
+  <p:clrMapOvr>
+    <a:masterClrMapping/>
+  </p:clrMapOvr>
+</p:sld>
+</file>
+
+<file path=ppt/slides/slide12.xml><?xml version="1.0" encoding="utf-8"?>
+<p:sld xmlns:a="http://schemas.openxmlformats.org/drawingml/2006/main" xmlns:r="http://schemas.openxmlformats.org/officeDocument/2006/relationships" xmlns:p="http://schemas.openxmlformats.org/presentationml/2006/main">
+  <p:cSld name="Slide 12">
+    <p:bg>
+      <p:bgPr>
+        <a:solidFill>
+          <a:srgbClr val="F5F5F5"/>
+        </a:solidFill>
+        <a:effectLst/>
+      </p:bgPr>
+    </p:bg>
+    <p:spTree>
+      <p:nvGrpSpPr>
+        <p:cNvPr id="1" name=""/>
+        <p:cNvGrpSpPr/>
+        <p:nvPr/>
+      </p:nvGrpSpPr>
+      <p:grpSpPr>
+        <a:xfrm>
+          <a:off x="0" y="0"/>
+          <a:ext cx="0" cy="0"/>
+          <a:chOff x="0" y="0"/>
+          <a:chExt cx="0" cy="0"/>
+        </a:xfrm>
+      </p:grpSpPr>
+      <p:grpSp>
+        <p:nvGrpSpPr>
+          <p:cNvPr id="1001" name="그룹 1001"/>
+          <p:cNvGrpSpPr/>
+          <p:nvPr/>
+        </p:nvGrpSpPr>
+        <p:grpSpPr>
+          <a:xfrm>
+            <a:off x="-342857" y="1161905"/>
+            <a:ext cx="18971429" cy="106667"/>
+            <a:chOff x="-342857" y="1161905"/>
+            <a:chExt cx="18971429" cy="106667"/>
+          </a:xfrm>
+        </p:grpSpPr>
+        <p:pic>
+          <p:nvPicPr>
+            <p:cNvPr id="3" name="Object 2"/>
+            <p:cNvPicPr>
+              <a:picLocks noChangeAspect="1"/>
+            </p:cNvPicPr>
+            <p:nvPr/>
+          </p:nvPicPr>
+          <p:blipFill>
+            <a:blip r:embed="rId2" cstate="print"/>
+            <a:stretch>
+              <a:fillRect/>
+            </a:stretch>
+          </p:blipFill>
+          <p:spPr>
+            <a:xfrm rot="-10800000">
+              <a:off x="-342857" y="1161905"/>
+              <a:ext cx="18971429" cy="106667"/>
+            </a:xfrm>
+            <a:prstGeom prst="rect">
+              <a:avLst/>
+            </a:prstGeom>
+          </p:spPr>
+        </p:pic>
+      </p:grpSp>
+      <p:grpSp>
+        <p:nvGrpSpPr>
+          <p:cNvPr id="1002" name="그룹 1002"/>
+          <p:cNvGrpSpPr/>
+          <p:nvPr/>
+        </p:nvGrpSpPr>
+        <p:grpSpPr>
+          <a:xfrm>
+            <a:off x="1819857" y="1896535"/>
+            <a:ext cx="12898031" cy="1328166"/>
+            <a:chOff x="1819857" y="1896535"/>
+            <a:chExt cx="12898031" cy="1328166"/>
+          </a:xfrm>
+        </p:grpSpPr>
+        <p:pic>
+          <p:nvPicPr>
+            <p:cNvPr id="6" name="Object 5"/>
+            <p:cNvPicPr>
+              <a:picLocks noChangeAspect="1"/>
+            </p:cNvPicPr>
+            <p:nvPr/>
+          </p:nvPicPr>
+          <p:blipFill>
+            <a:blip r:embed="rId3" cstate="print"/>
+            <a:stretch>
+              <a:fillRect/>
+            </a:stretch>
+          </p:blipFill>
+          <p:spPr>
+            <a:xfrm>
+              <a:off x="2170131" y="2026390"/>
+              <a:ext cx="12480458" cy="1443774"/>
+            </a:xfrm>
+            <a:prstGeom prst="rect">
+              <a:avLst/>
+            </a:prstGeom>
+          </p:spPr>
+        </p:pic>
+        <p:grpSp>
+          <p:nvGrpSpPr>
+            <p:cNvPr id="1003" name="그룹 1003"/>
+            <p:cNvGrpSpPr/>
+            <p:nvPr/>
+          </p:nvGrpSpPr>
+          <p:grpSpPr>
+            <a:xfrm>
+              <a:off x="1819857" y="1896535"/>
+              <a:ext cx="641000" cy="545900"/>
+              <a:chOff x="1819857" y="1896535"/>
+              <a:chExt cx="641000" cy="545900"/>
+            </a:xfrm>
+          </p:grpSpPr>
+          <p:pic>
+            <p:nvPicPr>
+              <p:cNvPr id="8" name="Object 7"/>
+              <p:cNvPicPr>
+                <a:picLocks noChangeAspect="1"/>
+              </p:cNvPicPr>
+              <p:nvPr/>
+            </p:nvPicPr>
+            <p:blipFill>
+              <a:blip r:embed="rId4" cstate="print"/>
+              <a:stretch>
+                <a:fillRect/>
+              </a:stretch>
+            </p:blipFill>
+            <p:spPr>
+              <a:xfrm>
+                <a:off x="1819857" y="1896535"/>
+                <a:ext cx="641000" cy="545900"/>
+              </a:xfrm>
+              <a:prstGeom prst="rect">
+                <a:avLst/>
+              </a:prstGeom>
+            </p:spPr>
+          </p:pic>
+        </p:grpSp>
+        <p:grpSp>
+          <p:nvGrpSpPr>
+            <p:cNvPr id="1004" name="그룹 1004"/>
+            <p:cNvGrpSpPr/>
+            <p:nvPr/>
+          </p:nvGrpSpPr>
+          <p:grpSpPr>
+            <a:xfrm>
+              <a:off x="2284414" y="2972308"/>
+              <a:ext cx="4596658" cy="252393"/>
+              <a:chOff x="2284414" y="2972308"/>
+              <a:chExt cx="4596658" cy="252393"/>
+            </a:xfrm>
+          </p:grpSpPr>
+          <p:pic>
+            <p:nvPicPr>
+              <p:cNvPr id="11" name="Object 10"/>
+              <p:cNvPicPr>
+                <a:picLocks noChangeAspect="1"/>
+              </p:cNvPicPr>
+              <p:nvPr/>
+            </p:nvPicPr>
+            <p:blipFill>
+              <a:blip r:embed="rId5" cstate="print"/>
+              <a:stretch>
+                <a:fillRect/>
+              </a:stretch>
+            </p:blipFill>
+            <p:spPr>
+              <a:xfrm>
+                <a:off x="2284414" y="2972308"/>
+                <a:ext cx="4596658" cy="252393"/>
+              </a:xfrm>
+              <a:prstGeom prst="rect">
+                <a:avLst/>
+              </a:prstGeom>
+            </p:spPr>
+          </p:pic>
+        </p:grpSp>
+      </p:grpSp>
+      <p:pic>
+        <p:nvPicPr>
+          <p:cNvPr id="14" name="Object 13"/>
+          <p:cNvPicPr>
+            <a:picLocks noChangeAspect="1"/>
+          </p:cNvPicPr>
+          <p:nvPr/>
+        </p:nvPicPr>
+        <p:blipFill>
+          <a:blip r:embed="rId6" cstate="print"/>
+          <a:stretch>
+            <a:fillRect/>
+          </a:stretch>
+        </p:blipFill>
+        <p:spPr>
+          <a:xfrm>
+            <a:off x="52338" y="575592"/>
+            <a:ext cx="6907857" cy="577509"/>
+          </a:xfrm>
+          <a:prstGeom prst="rect">
+            <a:avLst/>
+          </a:prstGeom>
+        </p:spPr>
+      </p:pic>
+      <p:grpSp>
+        <p:nvGrpSpPr>
+          <p:cNvPr id="1005" name="그룹 1005"/>
+          <p:cNvGrpSpPr/>
+          <p:nvPr/>
+        </p:nvGrpSpPr>
+        <p:grpSpPr>
+          <a:xfrm>
+            <a:off x="662924" y="2110215"/>
+            <a:ext cx="993200" cy="993200"/>
+            <a:chOff x="662924" y="2110215"/>
+            <a:chExt cx="993200" cy="993200"/>
+          </a:xfrm>
+        </p:grpSpPr>
+        <p:grpSp>
+          <p:nvGrpSpPr>
+            <p:cNvPr id="1006" name="그룹 1006"/>
+            <p:cNvGrpSpPr/>
+            <p:nvPr/>
+          </p:nvGrpSpPr>
+          <p:grpSpPr>
+            <a:xfrm>
+              <a:off x="662924" y="2110215"/>
+              <a:ext cx="993200" cy="993200"/>
+              <a:chOff x="662924" y="2110215"/>
+              <a:chExt cx="993200" cy="993200"/>
+            </a:xfrm>
+          </p:grpSpPr>
+          <p:pic>
+            <p:nvPicPr>
+              <p:cNvPr id="17" name="Object 16"/>
+              <p:cNvPicPr>
+                <a:picLocks noChangeAspect="1"/>
+              </p:cNvPicPr>
+              <p:nvPr/>
+            </p:nvPicPr>
+            <p:blipFill>
+              <a:blip r:embed="rId7" cstate="print"/>
+              <a:stretch>
+                <a:fillRect/>
+              </a:stretch>
+            </p:blipFill>
+            <p:spPr>
+              <a:xfrm>
+                <a:off x="662924" y="2110215"/>
+                <a:ext cx="993200" cy="993200"/>
+              </a:xfrm>
+              <a:prstGeom prst="rect">
+                <a:avLst/>
+              </a:prstGeom>
+            </p:spPr>
+          </p:pic>
+        </p:grpSp>
+        <p:pic>
+          <p:nvPicPr>
+            <p:cNvPr id="19" name="Object 18"/>
+            <p:cNvPicPr>
+              <a:picLocks noChangeAspect="1"/>
+            </p:cNvPicPr>
+            <p:nvPr/>
+          </p:nvPicPr>
+          <p:blipFill>
+            <a:blip r:embed="rId8" cstate="print"/>
+            <a:stretch>
+              <a:fillRect/>
+            </a:stretch>
+          </p:blipFill>
+          <p:spPr>
+            <a:xfrm>
+              <a:off x="656929" y="2256645"/>
+              <a:ext cx="1012157" cy="923808"/>
+            </a:xfrm>
+            <a:prstGeom prst="rect">
+              <a:avLst/>
+            </a:prstGeom>
+          </p:spPr>
+        </p:pic>
+      </p:grpSp>
+      <p:pic>
+        <p:nvPicPr>
+          <p:cNvPr id="21" name="Object 20"/>
+          <p:cNvPicPr>
+            <a:picLocks noChangeAspect="1"/>
+          </p:cNvPicPr>
+          <p:nvPr/>
+        </p:nvPicPr>
+        <p:blipFill>
+          <a:blip r:embed="rId9" cstate="print"/>
+          <a:stretch>
+            <a:fillRect/>
+          </a:stretch>
+        </p:blipFill>
+        <p:spPr>
+          <a:xfrm>
+            <a:off x="2773974" y="3404882"/>
+            <a:ext cx="6023137" cy="520620"/>
+          </a:xfrm>
+          <a:prstGeom prst="rect">
+            <a:avLst/>
+          </a:prstGeom>
+        </p:spPr>
+      </p:pic>
+      <p:grpSp>
+        <p:nvGrpSpPr>
+          <p:cNvPr id="1007" name="그룹 1007"/>
+          <p:cNvGrpSpPr/>
+          <p:nvPr/>
+        </p:nvGrpSpPr>
+        <p:grpSpPr>
+          <a:xfrm>
+            <a:off x="1217147" y="4402754"/>
+            <a:ext cx="6171429" cy="3578182"/>
+            <a:chOff x="1217147" y="4402754"/>
+            <a:chExt cx="6171429" cy="3578182"/>
+          </a:xfrm>
+        </p:grpSpPr>
+        <p:pic>
+          <p:nvPicPr>
+            <p:cNvPr id="23" name="Object 22"/>
+            <p:cNvPicPr>
+              <a:picLocks noChangeAspect="1"/>
+            </p:cNvPicPr>
+            <p:nvPr/>
+          </p:nvPicPr>
+          <p:blipFill>
+            <a:blip r:embed="rId10" cstate="print"/>
+            <a:stretch>
+              <a:fillRect/>
+            </a:stretch>
+          </p:blipFill>
+          <p:spPr>
+            <a:xfrm>
+              <a:off x="1217147" y="4402754"/>
+              <a:ext cx="6171429" cy="3578182"/>
+            </a:xfrm>
+            <a:prstGeom prst="rect">
+              <a:avLst/>
+            </a:prstGeom>
+          </p:spPr>
+        </p:pic>
+      </p:grpSp>
+      <p:grpSp>
+        <p:nvGrpSpPr>
+          <p:cNvPr id="1008" name="그룹 1008"/>
+          <p:cNvGrpSpPr/>
+          <p:nvPr/>
+        </p:nvGrpSpPr>
+        <p:grpSpPr>
+          <a:xfrm>
+            <a:off x="9392557" y="4166562"/>
+            <a:ext cx="6171429" cy="3814374"/>
+            <a:chOff x="9392557" y="4166562"/>
+            <a:chExt cx="6171429" cy="3814374"/>
+          </a:xfrm>
+        </p:grpSpPr>
+        <p:pic>
+          <p:nvPicPr>
+            <p:cNvPr id="26" name="Object 25"/>
+            <p:cNvPicPr>
+              <a:picLocks noChangeAspect="1"/>
+            </p:cNvPicPr>
+            <p:nvPr/>
+          </p:nvPicPr>
+          <p:blipFill>
+            <a:blip r:embed="rId11" cstate="print"/>
+            <a:stretch>
+              <a:fillRect/>
+            </a:stretch>
+          </p:blipFill>
+          <p:spPr>
+            <a:xfrm>
+              <a:off x="9392557" y="4166562"/>
+              <a:ext cx="6171429" cy="3814374"/>
+            </a:xfrm>
+            <a:prstGeom prst="rect">
+              <a:avLst/>
+            </a:prstGeom>
+          </p:spPr>
+        </p:pic>
+      </p:grpSp>
+      <p:grpSp>
+        <p:nvGrpSpPr>
+          <p:cNvPr id="1009" name="그룹 1009"/>
+          <p:cNvGrpSpPr/>
+          <p:nvPr/>
+        </p:nvGrpSpPr>
+        <p:grpSpPr>
+          <a:xfrm>
+            <a:off x="7670382" y="6002421"/>
+            <a:ext cx="1196979" cy="179561"/>
+            <a:chOff x="7670382" y="6002421"/>
+            <a:chExt cx="1196979" cy="179561"/>
+          </a:xfrm>
+        </p:grpSpPr>
+        <p:pic>
+          <p:nvPicPr>
+            <p:cNvPr id="29" name="Object 28"/>
+            <p:cNvPicPr>
+              <a:picLocks noChangeAspect="1"/>
+            </p:cNvPicPr>
+            <p:nvPr/>
+          </p:nvPicPr>
+          <p:blipFill>
+            <a:blip r:embed="rId12" cstate="print"/>
+            <a:stretch>
+              <a:fillRect/>
+            </a:stretch>
+          </p:blipFill>
+          <p:spPr>
+            <a:xfrm>
+              <a:off x="7670382" y="6002421"/>
+              <a:ext cx="1196979" cy="179561"/>
+            </a:xfrm>
+            <a:prstGeom prst="rect">
+              <a:avLst/>
+            </a:prstGeom>
+          </p:spPr>
+        </p:pic>
+      </p:grpSp>
+      <p:pic>
+        <p:nvPicPr>
+          <p:cNvPr id="31" name="Object 30"/>
+          <p:cNvPicPr>
+            <a:picLocks noChangeAspect="1"/>
+          </p:cNvPicPr>
+          <p:nvPr/>
+        </p:nvPicPr>
+        <p:blipFill>
+          <a:blip r:embed="rId13" cstate="print"/>
+          <a:stretch>
+            <a:fillRect/>
+          </a:stretch>
+        </p:blipFill>
+        <p:spPr>
+          <a:xfrm>
+            <a:off x="2851081" y="8741017"/>
+            <a:ext cx="11537755" cy="901562"/>
+          </a:xfrm>
+          <a:prstGeom prst="rect">
+            <a:avLst/>
+          </a:prstGeom>
+        </p:spPr>
+      </p:pic>
+      <p:grpSp>
+        <p:nvGrpSpPr>
+          <p:cNvPr id="1010" name="그룹 1010"/>
+          <p:cNvGrpSpPr/>
+          <p:nvPr/>
+        </p:nvGrpSpPr>
+        <p:grpSpPr>
+          <a:xfrm>
+            <a:off x="2481169" y="3438596"/>
+            <a:ext cx="236000" cy="363890"/>
+            <a:chOff x="2481169" y="3438596"/>
+            <a:chExt cx="236000" cy="363890"/>
+          </a:xfrm>
+        </p:grpSpPr>
+        <p:pic>
+          <p:nvPicPr>
+            <p:cNvPr id="33" name="Object 32"/>
+            <p:cNvPicPr>
+              <a:picLocks noChangeAspect="1"/>
+            </p:cNvPicPr>
+            <p:nvPr/>
+          </p:nvPicPr>
+          <p:blipFill>
+            <a:blip r:embed="rId14" cstate="print"/>
+            <a:stretch>
+              <a:fillRect/>
+            </a:stretch>
+          </p:blipFill>
+          <p:spPr>
+            <a:xfrm rot="4080000">
+              <a:off x="2481169" y="3438596"/>
+              <a:ext cx="236000" cy="363890"/>
+            </a:xfrm>
+            <a:prstGeom prst="rect">
+              <a:avLst/>
+            </a:prstGeom>
+          </p:spPr>
+        </p:pic>
+      </p:grpSp>
+      <p:grpSp>
+        <p:nvGrpSpPr>
+          <p:cNvPr id="1011" name="그룹 1011"/>
+          <p:cNvGrpSpPr/>
+          <p:nvPr/>
+        </p:nvGrpSpPr>
+        <p:grpSpPr>
+          <a:xfrm>
+            <a:off x="9450420" y="4374262"/>
+            <a:ext cx="2357743" cy="123139"/>
+            <a:chOff x="9450420" y="4374262"/>
+            <a:chExt cx="2357743" cy="123139"/>
+          </a:xfrm>
+        </p:grpSpPr>
+        <p:pic>
+          <p:nvPicPr>
+            <p:cNvPr id="36" name="Object 35"/>
+            <p:cNvPicPr>
+              <a:picLocks noChangeAspect="1"/>
+            </p:cNvPicPr>
+            <p:nvPr/>
+          </p:nvPicPr>
+          <p:blipFill>
+            <a:blip r:embed="rId15" cstate="print"/>
+            <a:stretch>
+              <a:fillRect/>
+            </a:stretch>
+          </p:blipFill>
+          <p:spPr>
+            <a:xfrm>
+              <a:off x="9450420" y="4374262"/>
+              <a:ext cx="2357743" cy="123139"/>
+            </a:xfrm>
+            <a:prstGeom prst="rect">
+              <a:avLst/>
+            </a:prstGeom>
+          </p:spPr>
+        </p:pic>
+      </p:grpSp>
+    </p:spTree>
+  </p:cSld>
+  <p:clrMapOvr>
+    <a:masterClrMapping/>
+  </p:clrMapOvr>
+</p:sld>
+</file>
+
+<file path=ppt/slides/slide13.xml><?xml version="1.0" encoding="utf-8"?>
+<p:sld xmlns:a="http://schemas.openxmlformats.org/drawingml/2006/main" xmlns:r="http://schemas.openxmlformats.org/officeDocument/2006/relationships" xmlns:p="http://schemas.openxmlformats.org/presentationml/2006/main">
+  <p:cSld name="Slide 13">
+    <p:bg>
+      <p:bgPr>
+        <a:solidFill>
+          <a:srgbClr val="F5F5F5"/>
+        </a:solidFill>
+        <a:effectLst/>
+      </p:bgPr>
+    </p:bg>
+    <p:spTree>
+      <p:nvGrpSpPr>
+        <p:cNvPr id="1" name=""/>
+        <p:cNvGrpSpPr/>
+        <p:nvPr/>
+      </p:nvGrpSpPr>
+      <p:grpSpPr>
+        <a:xfrm>
+          <a:off x="0" y="0"/>
+          <a:ext cx="0" cy="0"/>
+          <a:chOff x="0" y="0"/>
+          <a:chExt cx="0" cy="0"/>
+        </a:xfrm>
+      </p:grpSpPr>
+      <p:grpSp>
+        <p:nvGrpSpPr>
+          <p:cNvPr id="1001" name="그룹 1001"/>
+          <p:cNvGrpSpPr/>
+          <p:nvPr/>
+        </p:nvGrpSpPr>
+        <p:grpSpPr>
+          <a:xfrm>
+            <a:off x="3271595" y="4112695"/>
+            <a:ext cx="660582" cy="350476"/>
+            <a:chOff x="3271595" y="4112695"/>
+            <a:chExt cx="660582" cy="350476"/>
+          </a:xfrm>
+        </p:grpSpPr>
+        <p:pic>
+          <p:nvPicPr>
+            <p:cNvPr id="3" name="Object 2"/>
+            <p:cNvPicPr>
+              <a:picLocks noChangeAspect="1"/>
+            </p:cNvPicPr>
+            <p:nvPr/>
+          </p:nvPicPr>
+          <p:blipFill>
+            <a:blip r:embed="rId2" cstate="print"/>
+            <a:stretch>
+              <a:fillRect/>
+            </a:stretch>
+          </p:blipFill>
+          <p:spPr>
+            <a:xfrm>
+              <a:off x="3271595" y="4112695"/>
+              <a:ext cx="660582" cy="350476"/>
+            </a:xfrm>
+            <a:prstGeom prst="rect">
+              <a:avLst/>
+            </a:prstGeom>
+          </p:spPr>
+        </p:pic>
+      </p:grpSp>
+      <p:grpSp>
+        <p:nvGrpSpPr>
+          <p:cNvPr id="1002" name="그룹 1002"/>
+          <p:cNvGrpSpPr/>
+          <p:nvPr/>
+        </p:nvGrpSpPr>
+        <p:grpSpPr>
+          <a:xfrm>
+            <a:off x="-342857" y="1161905"/>
+            <a:ext cx="18971429" cy="106667"/>
+            <a:chOff x="-342857" y="1161905"/>
+            <a:chExt cx="18971429" cy="106667"/>
+          </a:xfrm>
+        </p:grpSpPr>
+        <p:pic>
+          <p:nvPicPr>
+            <p:cNvPr id="6" name="Object 5"/>
+            <p:cNvPicPr>
+              <a:picLocks noChangeAspect="1"/>
+            </p:cNvPicPr>
+            <p:nvPr/>
+          </p:nvPicPr>
+          <p:blipFill>
+            <a:blip r:embed="rId3" cstate="print"/>
+            <a:stretch>
+              <a:fillRect/>
+            </a:stretch>
+          </p:blipFill>
+          <p:spPr>
+            <a:xfrm rot="-10800000">
+              <a:off x="-342857" y="1161905"/>
+              <a:ext cx="18971429" cy="106667"/>
+            </a:xfrm>
+            <a:prstGeom prst="rect">
+              <a:avLst/>
+            </a:prstGeom>
+          </p:spPr>
+        </p:pic>
+      </p:grpSp>
+      <p:pic>
+        <p:nvPicPr>
+          <p:cNvPr id="8" name="Object 7"/>
+          <p:cNvPicPr>
+            <a:picLocks noChangeAspect="1"/>
+          </p:cNvPicPr>
+          <p:nvPr/>
+        </p:nvPicPr>
+        <p:blipFill>
+          <a:blip r:embed="rId4" cstate="print"/>
+          <a:stretch>
+            <a:fillRect/>
+          </a:stretch>
+        </p:blipFill>
+        <p:spPr>
+          <a:xfrm>
+            <a:off x="2955869" y="1832669"/>
+            <a:ext cx="12304462" cy="1443774"/>
+          </a:xfrm>
+          <a:prstGeom prst="rect">
+            <a:avLst/>
+          </a:prstGeom>
+        </p:spPr>
+      </p:pic>
+      <p:pic>
+        <p:nvPicPr>
+          <p:cNvPr id="9" name="Object 8"/>
+          <p:cNvPicPr>
+            <a:picLocks noChangeAspect="1"/>
+          </p:cNvPicPr>
+          <p:nvPr/>
+        </p:nvPicPr>
+        <p:blipFill>
+          <a:blip r:embed="rId5" cstate="print"/>
+          <a:stretch>
+            <a:fillRect/>
+          </a:stretch>
+        </p:blipFill>
+        <p:spPr>
+          <a:xfrm>
+            <a:off x="52338" y="575592"/>
+            <a:ext cx="6907857" cy="577509"/>
+          </a:xfrm>
+          <a:prstGeom prst="rect">
+            <a:avLst/>
+          </a:prstGeom>
+        </p:spPr>
+      </p:pic>
+      <p:pic>
+        <p:nvPicPr>
+          <p:cNvPr id="10" name="Object 9"/>
+          <p:cNvPicPr>
+            <a:picLocks noChangeAspect="1"/>
+          </p:cNvPicPr>
+          <p:nvPr/>
+        </p:nvPicPr>
+        <p:blipFill>
+          <a:blip r:embed="rId6" cstate="print"/>
+          <a:stretch>
+            <a:fillRect/>
+          </a:stretch>
+        </p:blipFill>
+        <p:spPr>
+          <a:xfrm>
+            <a:off x="1721859" y="2073203"/>
+            <a:ext cx="1221865" cy="918576"/>
+          </a:xfrm>
+          <a:prstGeom prst="rect">
+            <a:avLst/>
+          </a:prstGeom>
+        </p:spPr>
+      </p:pic>
+      <p:grpSp>
+        <p:nvGrpSpPr>
+          <p:cNvPr id="1003" name="그룹 1003"/>
+          <p:cNvGrpSpPr/>
+          <p:nvPr/>
+        </p:nvGrpSpPr>
+        <p:grpSpPr>
+          <a:xfrm>
+            <a:off x="634112" y="1937346"/>
+            <a:ext cx="993200" cy="993200"/>
+            <a:chOff x="634112" y="1937346"/>
+            <a:chExt cx="993200" cy="993200"/>
+          </a:xfrm>
+        </p:grpSpPr>
+        <p:grpSp>
+          <p:nvGrpSpPr>
+            <p:cNvPr id="1004" name="그룹 1004"/>
+            <p:cNvGrpSpPr/>
+            <p:nvPr/>
+          </p:nvGrpSpPr>
+          <p:grpSpPr>
+            <a:xfrm>
+              <a:off x="634112" y="1937346"/>
+              <a:ext cx="993200" cy="993200"/>
+              <a:chOff x="634112" y="1937346"/>
+              <a:chExt cx="993200" cy="993200"/>
+            </a:xfrm>
+          </p:grpSpPr>
+          <p:pic>
+            <p:nvPicPr>
+              <p:cNvPr id="13" name="Object 12"/>
+              <p:cNvPicPr>
+                <a:picLocks noChangeAspect="1"/>
+              </p:cNvPicPr>
+              <p:nvPr/>
+            </p:nvPicPr>
+            <p:blipFill>
+              <a:blip r:embed="rId7" cstate="print"/>
+              <a:stretch>
+                <a:fillRect/>
+              </a:stretch>
+            </p:blipFill>
+            <p:spPr>
+              <a:xfrm>
+                <a:off x="634112" y="1937346"/>
+                <a:ext cx="993200" cy="993200"/>
+              </a:xfrm>
+              <a:prstGeom prst="rect">
+                <a:avLst/>
+              </a:prstGeom>
+            </p:spPr>
+          </p:pic>
+        </p:grpSp>
+        <p:pic>
+          <p:nvPicPr>
+            <p:cNvPr id="15" name="Object 14"/>
+            <p:cNvPicPr>
+              <a:picLocks noChangeAspect="1"/>
+            </p:cNvPicPr>
+            <p:nvPr/>
+          </p:nvPicPr>
+          <p:blipFill>
+            <a:blip r:embed="rId8" cstate="print"/>
+            <a:stretch>
+              <a:fillRect/>
+            </a:stretch>
+          </p:blipFill>
+          <p:spPr>
+            <a:xfrm>
+              <a:off x="628117" y="2083775"/>
+              <a:ext cx="1012157" cy="923808"/>
+            </a:xfrm>
+            <a:prstGeom prst="rect">
+              <a:avLst/>
+            </a:prstGeom>
+          </p:spPr>
+        </p:pic>
+      </p:grpSp>
+      <p:pic>
+        <p:nvPicPr>
+          <p:cNvPr id="17" name="Object 16"/>
+          <p:cNvPicPr>
+            <a:picLocks noChangeAspect="1"/>
+          </p:cNvPicPr>
+          <p:nvPr/>
+        </p:nvPicPr>
+        <p:blipFill>
+          <a:blip r:embed="rId9" cstate="print"/>
+          <a:stretch>
+            <a:fillRect/>
+          </a:stretch>
+        </p:blipFill>
+        <p:spPr>
+          <a:xfrm>
+            <a:off x="3553896" y="3203201"/>
+            <a:ext cx="7345995" cy="520620"/>
+          </a:xfrm>
+          <a:prstGeom prst="rect">
+            <a:avLst/>
+          </a:prstGeom>
+        </p:spPr>
+      </p:pic>
+      <p:grpSp>
+        <p:nvGrpSpPr>
+          <p:cNvPr id="1005" name="그룹 1005"/>
+          <p:cNvGrpSpPr/>
+          <p:nvPr/>
+        </p:nvGrpSpPr>
+        <p:grpSpPr>
+          <a:xfrm>
+            <a:off x="3232281" y="3236916"/>
+            <a:ext cx="236000" cy="363890"/>
+            <a:chOff x="3232281" y="3236916"/>
+            <a:chExt cx="236000" cy="363890"/>
+          </a:xfrm>
+        </p:grpSpPr>
+        <p:pic>
+          <p:nvPicPr>
+            <p:cNvPr id="19" name="Object 18"/>
+            <p:cNvPicPr>
+              <a:picLocks noChangeAspect="1"/>
+            </p:cNvPicPr>
+            <p:nvPr/>
+          </p:nvPicPr>
+          <p:blipFill>
+            <a:blip r:embed="rId10" cstate="print"/>
+            <a:stretch>
+              <a:fillRect/>
+            </a:stretch>
+          </p:blipFill>
+          <p:spPr>
+            <a:xfrm rot="4080000">
+              <a:off x="3232281" y="3236916"/>
+              <a:ext cx="236000" cy="363890"/>
+            </a:xfrm>
+            <a:prstGeom prst="rect">
+              <a:avLst/>
+            </a:prstGeom>
+          </p:spPr>
+        </p:pic>
+      </p:grpSp>
+      <p:grpSp>
+        <p:nvGrpSpPr>
+          <p:cNvPr id="1006" name="그룹 1006"/>
+          <p:cNvGrpSpPr/>
+          <p:nvPr/>
+        </p:nvGrpSpPr>
+        <p:grpSpPr>
+          <a:xfrm>
+            <a:off x="3243024" y="4482218"/>
+            <a:ext cx="5116920" cy="2486391"/>
+            <a:chOff x="3243024" y="4482218"/>
+            <a:chExt cx="5116920" cy="2486391"/>
+          </a:xfrm>
+        </p:grpSpPr>
+        <p:pic>
+          <p:nvPicPr>
+            <p:cNvPr id="22" name="Object 21"/>
+            <p:cNvPicPr>
+              <a:picLocks noChangeAspect="1"/>
+            </p:cNvPicPr>
+            <p:nvPr/>
+          </p:nvPicPr>
+          <p:blipFill>
+            <a:blip r:embed="rId11" cstate="print"/>
+            <a:stretch>
+              <a:fillRect/>
+            </a:stretch>
+          </p:blipFill>
+          <p:spPr>
+            <a:xfrm>
+              <a:off x="3243024" y="4482218"/>
+              <a:ext cx="5116920" cy="2486391"/>
+            </a:xfrm>
+            <a:prstGeom prst="rect">
+              <a:avLst/>
+            </a:prstGeom>
+          </p:spPr>
+        </p:pic>
+      </p:grpSp>
+      <p:grpSp>
+        <p:nvGrpSpPr>
+          <p:cNvPr id="1007" name="그룹 1007"/>
+          <p:cNvGrpSpPr/>
+          <p:nvPr/>
+        </p:nvGrpSpPr>
+        <p:grpSpPr>
+          <a:xfrm>
+            <a:off x="3243024" y="7703805"/>
+            <a:ext cx="6714380" cy="1955022"/>
+            <a:chOff x="3243024" y="7703805"/>
+            <a:chExt cx="6714380" cy="1955022"/>
+          </a:xfrm>
+        </p:grpSpPr>
+        <p:pic>
+          <p:nvPicPr>
+            <p:cNvPr id="25" name="Object 24"/>
+            <p:cNvPicPr>
+              <a:picLocks noChangeAspect="1"/>
+            </p:cNvPicPr>
+            <p:nvPr/>
+          </p:nvPicPr>
+          <p:blipFill>
+            <a:blip r:embed="rId12" cstate="print"/>
+            <a:stretch>
+              <a:fillRect/>
+            </a:stretch>
+          </p:blipFill>
+          <p:spPr>
+            <a:xfrm>
+              <a:off x="3243024" y="7703805"/>
+              <a:ext cx="6714380" cy="1955022"/>
+            </a:xfrm>
+            <a:prstGeom prst="rect">
+              <a:avLst/>
+            </a:prstGeom>
+          </p:spPr>
+        </p:pic>
+      </p:grpSp>
+      <p:grpSp>
+        <p:nvGrpSpPr>
+          <p:cNvPr id="1008" name="그룹 1008"/>
+          <p:cNvGrpSpPr/>
+          <p:nvPr/>
+        </p:nvGrpSpPr>
+        <p:grpSpPr>
+          <a:xfrm>
+            <a:off x="3293138" y="7305310"/>
+            <a:ext cx="2214590" cy="350476"/>
+            <a:chOff x="3293138" y="7305310"/>
+            <a:chExt cx="2214590" cy="350476"/>
+          </a:xfrm>
+        </p:grpSpPr>
+        <p:pic>
+          <p:nvPicPr>
+            <p:cNvPr id="28" name="Object 27"/>
+            <p:cNvPicPr>
+              <a:picLocks noChangeAspect="1"/>
+            </p:cNvPicPr>
+            <p:nvPr/>
+          </p:nvPicPr>
+          <p:blipFill>
+            <a:blip r:embed="rId13" cstate="print"/>
+            <a:stretch>
+              <a:fillRect/>
+            </a:stretch>
+          </p:blipFill>
+          <p:spPr>
+            <a:xfrm>
+              <a:off x="3293138" y="7305310"/>
+              <a:ext cx="2214590" cy="350476"/>
+            </a:xfrm>
+            <a:prstGeom prst="rect">
+              <a:avLst/>
+            </a:prstGeom>
+          </p:spPr>
+        </p:pic>
+      </p:grpSp>
+      <p:pic>
+        <p:nvPicPr>
+          <p:cNvPr id="30" name="Object 29"/>
+          <p:cNvPicPr>
+            <a:picLocks noChangeAspect="1"/>
+          </p:cNvPicPr>
+          <p:nvPr/>
+        </p:nvPicPr>
+        <p:blipFill>
+          <a:blip r:embed="rId14" cstate="print"/>
+          <a:stretch>
+            <a:fillRect/>
+          </a:stretch>
+        </p:blipFill>
+        <p:spPr>
+          <a:xfrm>
+            <a:off x="3312187" y="4075881"/>
+            <a:ext cx="624054" cy="520620"/>
+          </a:xfrm>
+          <a:prstGeom prst="rect">
+            <a:avLst/>
+          </a:prstGeom>
+        </p:spPr>
+      </p:pic>
+      <p:pic>
+        <p:nvPicPr>
+          <p:cNvPr id="31" name="Object 30"/>
+          <p:cNvPicPr>
+            <a:picLocks noChangeAspect="1"/>
+          </p:cNvPicPr>
+          <p:nvPr/>
+        </p:nvPicPr>
+        <p:blipFill>
+          <a:blip r:embed="rId15" cstate="print"/>
+          <a:stretch>
+            <a:fillRect/>
+          </a:stretch>
+        </p:blipFill>
+        <p:spPr>
+          <a:xfrm>
+            <a:off x="3312192" y="7278258"/>
+            <a:ext cx="2183893" cy="520620"/>
+          </a:xfrm>
+          <a:prstGeom prst="rect">
+            <a:avLst/>
+          </a:prstGeom>
+        </p:spPr>
+      </p:pic>
+      <p:grpSp>
+        <p:nvGrpSpPr>
+          <p:cNvPr id="1009" name="그룹 1009"/>
+          <p:cNvGrpSpPr/>
+          <p:nvPr/>
+        </p:nvGrpSpPr>
+        <p:grpSpPr>
+          <a:xfrm>
+            <a:off x="5609407" y="8084113"/>
+            <a:ext cx="499700" cy="501164"/>
+            <a:chOff x="5609407" y="8084113"/>
+            <a:chExt cx="499700" cy="501164"/>
+          </a:xfrm>
+        </p:grpSpPr>
+        <p:pic>
+          <p:nvPicPr>
+            <p:cNvPr id="33" name="Object 32"/>
+            <p:cNvPicPr>
+              <a:picLocks noChangeAspect="1"/>
+            </p:cNvPicPr>
+            <p:nvPr/>
+          </p:nvPicPr>
+          <p:blipFill>
+            <a:blip r:embed="rId16" cstate="print"/>
+            <a:stretch>
+              <a:fillRect/>
+            </a:stretch>
+          </p:blipFill>
+          <p:spPr>
+            <a:xfrm>
+              <a:off x="5609407" y="8084113"/>
+              <a:ext cx="499700" cy="501164"/>
+            </a:xfrm>
+            <a:prstGeom prst="rect">
+              <a:avLst/>
+            </a:prstGeom>
+          </p:spPr>
+        </p:pic>
+      </p:grpSp>
+      <p:grpSp>
+        <p:nvGrpSpPr>
+          <p:cNvPr id="1010" name="그룹 1010"/>
+          <p:cNvGrpSpPr/>
+          <p:nvPr/>
+        </p:nvGrpSpPr>
+        <p:grpSpPr>
+          <a:xfrm>
+            <a:off x="5728660" y="7666726"/>
+            <a:ext cx="821806" cy="204570"/>
+            <a:chOff x="5728660" y="7666726"/>
+            <a:chExt cx="821806" cy="204570"/>
+          </a:xfrm>
+        </p:grpSpPr>
+        <p:pic>
+          <p:nvPicPr>
+            <p:cNvPr id="36" name="Object 35"/>
+            <p:cNvPicPr>
+              <a:picLocks noChangeAspect="1"/>
+            </p:cNvPicPr>
+            <p:nvPr/>
+          </p:nvPicPr>
+          <p:blipFill>
+            <a:blip r:embed="rId17" cstate="print"/>
+            <a:stretch>
+              <a:fillRect/>
+            </a:stretch>
+          </p:blipFill>
+          <p:spPr>
+            <a:xfrm rot="7740000">
+              <a:off x="5728660" y="7666726"/>
+              <a:ext cx="821806" cy="204570"/>
+            </a:xfrm>
+            <a:prstGeom prst="rect">
+              <a:avLst/>
+            </a:prstGeom>
+          </p:spPr>
+        </p:pic>
+      </p:grpSp>
+      <p:pic>
+        <p:nvPicPr>
+          <p:cNvPr id="38" name="Object 37"/>
+          <p:cNvPicPr>
+            <a:picLocks noChangeAspect="1"/>
+          </p:cNvPicPr>
+          <p:nvPr/>
+        </p:nvPicPr>
+        <p:blipFill>
+          <a:blip r:embed="rId18" cstate="print"/>
+          <a:stretch>
+            <a:fillRect/>
+          </a:stretch>
+        </p:blipFill>
+        <p:spPr>
+          <a:xfrm>
+            <a:off x="6562115" y="7163096"/>
+            <a:ext cx="9772466" cy="520620"/>
+          </a:xfrm>
+          <a:prstGeom prst="rect">
+            <a:avLst/>
+          </a:prstGeom>
+        </p:spPr>
+      </p:pic>
+      <p:grpSp>
+        <p:nvGrpSpPr>
+          <p:cNvPr id="1011" name="그룹 1011"/>
+          <p:cNvGrpSpPr/>
+          <p:nvPr/>
+        </p:nvGrpSpPr>
+        <p:grpSpPr>
+          <a:xfrm>
+            <a:off x="11420238" y="7174793"/>
+            <a:ext cx="236000" cy="363890"/>
+            <a:chOff x="11420238" y="7174793"/>
+            <a:chExt cx="236000" cy="363890"/>
+          </a:xfrm>
+        </p:grpSpPr>
+        <p:pic>
+          <p:nvPicPr>
+            <p:cNvPr id="40" name="Object 39"/>
+            <p:cNvPicPr>
+              <a:picLocks noChangeAspect="1"/>
+            </p:cNvPicPr>
+            <p:nvPr/>
+          </p:nvPicPr>
+          <p:blipFill>
+            <a:blip r:embed="rId19" cstate="print"/>
+            <a:stretch>
+              <a:fillRect/>
+            </a:stretch>
+          </p:blipFill>
+          <p:spPr>
+            <a:xfrm rot="4080000">
+              <a:off x="11420238" y="7174793"/>
+              <a:ext cx="236000" cy="363890"/>
+            </a:xfrm>
+            <a:prstGeom prst="rect">
+              <a:avLst/>
+            </a:prstGeom>
+          </p:spPr>
+        </p:pic>
+      </p:grpSp>
+      <p:grpSp>
+        <p:nvGrpSpPr>
+          <p:cNvPr id="1012" name="그룹 1012"/>
+          <p:cNvGrpSpPr/>
+          <p:nvPr/>
+        </p:nvGrpSpPr>
+        <p:grpSpPr>
+          <a:xfrm>
+            <a:off x="11852640" y="7480548"/>
+            <a:ext cx="4411466" cy="154044"/>
+            <a:chOff x="11852640" y="7480548"/>
+            <a:chExt cx="4411466" cy="154044"/>
+          </a:xfrm>
+        </p:grpSpPr>
+        <p:pic>
+          <p:nvPicPr>
+            <p:cNvPr id="43" name="Object 42"/>
+            <p:cNvPicPr>
+              <a:picLocks noChangeAspect="1"/>
+            </p:cNvPicPr>
+            <p:nvPr/>
+          </p:nvPicPr>
+          <p:blipFill>
+            <a:blip r:embed="rId20" cstate="print"/>
+            <a:stretch>
+              <a:fillRect/>
+            </a:stretch>
+          </p:blipFill>
+          <p:spPr>
+            <a:xfrm>
+              <a:off x="11852640" y="7480548"/>
+              <a:ext cx="4411466" cy="154044"/>
+            </a:xfrm>
+            <a:prstGeom prst="rect">
+              <a:avLst/>
+            </a:prstGeom>
+          </p:spPr>
+        </p:pic>
+      </p:grpSp>
+    </p:spTree>
+  </p:cSld>
+  <p:clrMapOvr>
+    <a:masterClrMapping/>
+  </p:clrMapOvr>
+</p:sld>
+</file>
+
+<file path=ppt/slides/slide14.xml><?xml version="1.0" encoding="utf-8"?>
+<p:sld xmlns:a="http://schemas.openxmlformats.org/drawingml/2006/main" xmlns:r="http://schemas.openxmlformats.org/officeDocument/2006/relationships" xmlns:p="http://schemas.openxmlformats.org/presentationml/2006/main">
+  <p:cSld name="Slide 14">
+    <p:bg>
+      <p:bgPr>
+        <a:solidFill>
+          <a:srgbClr val="F5F5F5"/>
+        </a:solidFill>
+        <a:effectLst/>
+      </p:bgPr>
+    </p:bg>
+    <p:spTree>
+      <p:nvGrpSpPr>
+        <p:cNvPr id="1" name=""/>
+        <p:cNvGrpSpPr/>
+        <p:nvPr/>
+      </p:nvGrpSpPr>
+      <p:grpSpPr>
+        <a:xfrm>
+          <a:off x="0" y="0"/>
+          <a:ext cx="0" cy="0"/>
+          <a:chOff x="0" y="0"/>
+          <a:chExt cx="0" cy="0"/>
+        </a:xfrm>
+      </p:grpSpPr>
+      <p:grpSp>
+        <p:nvGrpSpPr>
+          <p:cNvPr id="1001" name="그룹 1001"/>
+          <p:cNvGrpSpPr/>
+          <p:nvPr/>
+        </p:nvGrpSpPr>
+        <p:grpSpPr>
+          <a:xfrm>
+            <a:off x="-342857" y="1161905"/>
+            <a:ext cx="18971429" cy="106667"/>
+            <a:chOff x="-342857" y="1161905"/>
+            <a:chExt cx="18971429" cy="106667"/>
+          </a:xfrm>
+        </p:grpSpPr>
+        <p:pic>
+          <p:nvPicPr>
+            <p:cNvPr id="3" name="Object 2"/>
+            <p:cNvPicPr>
+              <a:picLocks noChangeAspect="1"/>
+            </p:cNvPicPr>
+            <p:nvPr/>
+          </p:nvPicPr>
+          <p:blipFill>
+            <a:blip r:embed="rId2" cstate="print"/>
+            <a:stretch>
+              <a:fillRect/>
+            </a:stretch>
+          </p:blipFill>
+          <p:spPr>
+            <a:xfrm rot="-10800000">
+              <a:off x="-342857" y="1161905"/>
+              <a:ext cx="18971429" cy="106667"/>
+            </a:xfrm>
+            <a:prstGeom prst="rect">
+              <a:avLst/>
+            </a:prstGeom>
+          </p:spPr>
+        </p:pic>
+      </p:grpSp>
+      <p:pic>
+        <p:nvPicPr>
+          <p:cNvPr id="5" name="Object 4"/>
+          <p:cNvPicPr>
+            <a:picLocks noChangeAspect="1"/>
+          </p:cNvPicPr>
+          <p:nvPr/>
+        </p:nvPicPr>
+        <p:blipFill>
+          <a:blip r:embed="rId3" cstate="print"/>
+          <a:stretch>
+            <a:fillRect/>
+          </a:stretch>
+        </p:blipFill>
+        <p:spPr>
+          <a:xfrm>
+            <a:off x="14633016" y="810313"/>
+            <a:ext cx="3607544" cy="423300"/>
+          </a:xfrm>
+          <a:prstGeom prst="rect">
+            <a:avLst/>
+          </a:prstGeom>
+        </p:spPr>
+      </p:pic>
+      <p:pic>
+        <p:nvPicPr>
+          <p:cNvPr id="6" name="Object 5"/>
+          <p:cNvPicPr>
+            <a:picLocks noChangeAspect="1"/>
+          </p:cNvPicPr>
+          <p:nvPr/>
+        </p:nvPicPr>
+        <p:blipFill>
+          <a:blip r:embed="rId4" cstate="print"/>
+          <a:stretch>
+            <a:fillRect/>
+          </a:stretch>
+        </p:blipFill>
+        <p:spPr>
+          <a:xfrm>
+            <a:off x="52338" y="575592"/>
+            <a:ext cx="6907857" cy="577509"/>
+          </a:xfrm>
+          <a:prstGeom prst="rect">
+            <a:avLst/>
+          </a:prstGeom>
+        </p:spPr>
+      </p:pic>
+      <p:pic>
+        <p:nvPicPr>
+          <p:cNvPr id="7" name="Object 6"/>
+          <p:cNvPicPr>
+            <a:picLocks noChangeAspect="1"/>
+          </p:cNvPicPr>
+          <p:nvPr/>
+        </p:nvPicPr>
+        <p:blipFill>
+          <a:blip r:embed="rId5" cstate="print"/>
+          <a:stretch>
+            <a:fillRect/>
+          </a:stretch>
+        </p:blipFill>
+        <p:spPr>
+          <a:xfrm>
+            <a:off x="14271216" y="872458"/>
+            <a:ext cx="358239" cy="269317"/>
+          </a:xfrm>
+          <a:prstGeom prst="rect">
+            <a:avLst/>
+          </a:prstGeom>
+        </p:spPr>
+      </p:pic>
+      <p:grpSp>
+        <p:nvGrpSpPr>
+          <p:cNvPr id="1002" name="그룹 1002"/>
+          <p:cNvGrpSpPr/>
+          <p:nvPr/>
+        </p:nvGrpSpPr>
+        <p:grpSpPr>
+          <a:xfrm>
+            <a:off x="13952300" y="841003"/>
+            <a:ext cx="291196" cy="291196"/>
+            <a:chOff x="13952300" y="841003"/>
+            <a:chExt cx="291196" cy="291196"/>
+          </a:xfrm>
+        </p:grpSpPr>
+        <p:grpSp>
+          <p:nvGrpSpPr>
+            <p:cNvPr id="1003" name="그룹 1003"/>
+            <p:cNvGrpSpPr/>
+            <p:nvPr/>
+          </p:nvGrpSpPr>
+          <p:grpSpPr>
+            <a:xfrm>
+              <a:off x="13952300" y="841003"/>
+              <a:ext cx="291196" cy="291196"/>
+              <a:chOff x="13952300" y="841003"/>
+              <a:chExt cx="291196" cy="291196"/>
+            </a:xfrm>
+          </p:grpSpPr>
+          <p:pic>
+            <p:nvPicPr>
+              <p:cNvPr id="10" name="Object 9"/>
+              <p:cNvPicPr>
+                <a:picLocks noChangeAspect="1"/>
+              </p:cNvPicPr>
+              <p:nvPr/>
+            </p:nvPicPr>
+            <p:blipFill>
+              <a:blip r:embed="rId6" cstate="print"/>
+              <a:stretch>
+                <a:fillRect/>
+              </a:stretch>
+            </p:blipFill>
+            <p:spPr>
+              <a:xfrm>
+                <a:off x="13952300" y="841003"/>
+                <a:ext cx="291196" cy="291196"/>
+              </a:xfrm>
+              <a:prstGeom prst="rect">
+                <a:avLst/>
+              </a:prstGeom>
+            </p:spPr>
+          </p:pic>
+        </p:grpSp>
+        <p:pic>
+          <p:nvPicPr>
+            <p:cNvPr id="12" name="Object 11"/>
+            <p:cNvPicPr>
+              <a:picLocks noChangeAspect="1"/>
+            </p:cNvPicPr>
+            <p:nvPr/>
+          </p:nvPicPr>
+          <p:blipFill>
+            <a:blip r:embed="rId7" cstate="print"/>
+            <a:stretch>
+              <a:fillRect/>
+            </a:stretch>
+          </p:blipFill>
+          <p:spPr>
+            <a:xfrm>
+              <a:off x="13950542" y="883935"/>
+              <a:ext cx="296754" cy="270851"/>
+            </a:xfrm>
+            <a:prstGeom prst="rect">
+              <a:avLst/>
+            </a:prstGeom>
+          </p:spPr>
+        </p:pic>
+      </p:grpSp>
+      <p:grpSp>
+        <p:nvGrpSpPr>
+          <p:cNvPr id="1004" name="그룹 1004"/>
+          <p:cNvGrpSpPr/>
+          <p:nvPr/>
+        </p:nvGrpSpPr>
+        <p:grpSpPr>
+          <a:xfrm>
+            <a:off x="1288245" y="2017306"/>
+            <a:ext cx="3712571" cy="496910"/>
+            <a:chOff x="1288245" y="2017306"/>
+            <a:chExt cx="3712571" cy="496910"/>
+          </a:xfrm>
+        </p:grpSpPr>
+        <p:pic>
+          <p:nvPicPr>
+            <p:cNvPr id="15" name="Object 14"/>
+            <p:cNvPicPr>
+              <a:picLocks noChangeAspect="1"/>
+            </p:cNvPicPr>
+            <p:nvPr/>
+          </p:nvPicPr>
+          <p:blipFill>
+            <a:blip r:embed="rId8" cstate="print"/>
+            <a:stretch>
+              <a:fillRect/>
+            </a:stretch>
+          </p:blipFill>
+          <p:spPr>
+            <a:xfrm>
+              <a:off x="1288245" y="2017306"/>
+              <a:ext cx="3712571" cy="496910"/>
+            </a:xfrm>
+            <a:prstGeom prst="rect">
+              <a:avLst/>
+            </a:prstGeom>
+          </p:spPr>
+        </p:pic>
+      </p:grpSp>
+      <p:pic>
+        <p:nvPicPr>
+          <p:cNvPr id="17" name="Object 16"/>
+          <p:cNvPicPr>
+            <a:picLocks noChangeAspect="1"/>
+          </p:cNvPicPr>
+          <p:nvPr/>
+        </p:nvPicPr>
+        <p:blipFill>
+          <a:blip r:embed="rId9" cstate="print"/>
+          <a:stretch>
+            <a:fillRect/>
+          </a:stretch>
+        </p:blipFill>
+        <p:spPr>
+          <a:xfrm>
+            <a:off x="1455991" y="1978955"/>
+            <a:ext cx="3434440" cy="738142"/>
+          </a:xfrm>
+          <a:prstGeom prst="rect">
+            <a:avLst/>
+          </a:prstGeom>
+        </p:spPr>
+      </p:pic>
+      <p:grpSp>
+        <p:nvGrpSpPr>
+          <p:cNvPr id="1005" name="그룹 1005"/>
+          <p:cNvGrpSpPr/>
+          <p:nvPr/>
+        </p:nvGrpSpPr>
+        <p:grpSpPr>
+          <a:xfrm>
+            <a:off x="750131" y="1907926"/>
+            <a:ext cx="471447" cy="601385"/>
+            <a:chOff x="750131" y="1907926"/>
+            <a:chExt cx="471447" cy="601385"/>
+          </a:xfrm>
+        </p:grpSpPr>
+        <p:pic>
+          <p:nvPicPr>
+            <p:cNvPr id="19" name="Object 18"/>
+            <p:cNvPicPr>
+              <a:picLocks noChangeAspect="1"/>
+            </p:cNvPicPr>
+            <p:nvPr/>
+          </p:nvPicPr>
+          <p:blipFill>
+            <a:blip r:embed="rId10" cstate="print"/>
+            <a:stretch>
+              <a:fillRect/>
+            </a:stretch>
+          </p:blipFill>
+          <p:spPr>
+            <a:xfrm>
+              <a:off x="750131" y="1907926"/>
+              <a:ext cx="471447" cy="601385"/>
+            </a:xfrm>
+            <a:prstGeom prst="rect">
+              <a:avLst/>
+            </a:prstGeom>
+          </p:spPr>
+        </p:pic>
+      </p:grpSp>
+      <p:grpSp>
+        <p:nvGrpSpPr>
+          <p:cNvPr id="1006" name="그룹 1006"/>
+          <p:cNvGrpSpPr/>
+          <p:nvPr/>
+        </p:nvGrpSpPr>
+        <p:grpSpPr>
+          <a:xfrm>
+            <a:off x="750131" y="3480322"/>
+            <a:ext cx="5540936" cy="2710425"/>
+            <a:chOff x="750131" y="3480322"/>
+            <a:chExt cx="5540936" cy="2710425"/>
+          </a:xfrm>
+        </p:grpSpPr>
+        <p:pic>
+          <p:nvPicPr>
+            <p:cNvPr id="22" name="Object 21"/>
+            <p:cNvPicPr>
+              <a:picLocks noChangeAspect="1"/>
+            </p:cNvPicPr>
+            <p:nvPr/>
+          </p:nvPicPr>
+          <p:blipFill>
+            <a:blip r:embed="rId11" cstate="print"/>
+            <a:stretch>
+              <a:fillRect/>
+            </a:stretch>
+          </p:blipFill>
+          <p:spPr>
+            <a:xfrm>
+              <a:off x="750131" y="3480322"/>
+              <a:ext cx="5540936" cy="2710425"/>
+            </a:xfrm>
+            <a:prstGeom prst="rect">
+              <a:avLst/>
+            </a:prstGeom>
+          </p:spPr>
+        </p:pic>
+      </p:grpSp>
+      <p:grpSp>
+        <p:nvGrpSpPr>
+          <p:cNvPr id="1007" name="그룹 1007"/>
+          <p:cNvGrpSpPr/>
+          <p:nvPr/>
+        </p:nvGrpSpPr>
+        <p:grpSpPr>
+          <a:xfrm>
+            <a:off x="6642370" y="3427883"/>
+            <a:ext cx="5377671" cy="3221609"/>
+            <a:chOff x="6642370" y="3427883"/>
+            <a:chExt cx="5377671" cy="3221609"/>
+          </a:xfrm>
+        </p:grpSpPr>
+        <p:pic>
+          <p:nvPicPr>
+            <p:cNvPr id="25" name="Object 24"/>
+            <p:cNvPicPr>
+              <a:picLocks noChangeAspect="1"/>
+            </p:cNvPicPr>
+            <p:nvPr/>
+          </p:nvPicPr>
+          <p:blipFill>
+            <a:blip r:embed="rId12" cstate="print"/>
+            <a:stretch>
+              <a:fillRect/>
+            </a:stretch>
+          </p:blipFill>
+          <p:spPr>
+            <a:xfrm>
+              <a:off x="6642370" y="3427883"/>
+              <a:ext cx="5377671" cy="3221609"/>
+            </a:xfrm>
+            <a:prstGeom prst="rect">
+              <a:avLst/>
+            </a:prstGeom>
+          </p:spPr>
+        </p:pic>
+      </p:grpSp>
+      <p:grpSp>
+        <p:nvGrpSpPr>
+          <p:cNvPr id="1008" name="그룹 1008"/>
+          <p:cNvGrpSpPr/>
+          <p:nvPr/>
+        </p:nvGrpSpPr>
+        <p:grpSpPr>
+          <a:xfrm>
+            <a:off x="12316535" y="3440321"/>
+            <a:ext cx="5214406" cy="4951290"/>
+            <a:chOff x="12316535" y="3440321"/>
+            <a:chExt cx="5214406" cy="4951290"/>
+          </a:xfrm>
+        </p:grpSpPr>
+        <p:pic>
+          <p:nvPicPr>
+            <p:cNvPr id="28" name="Object 27"/>
+            <p:cNvPicPr>
+              <a:picLocks noChangeAspect="1"/>
+            </p:cNvPicPr>
+            <p:nvPr/>
+          </p:nvPicPr>
+          <p:blipFill>
+            <a:blip r:embed="rId13" cstate="print"/>
+            <a:stretch>
+              <a:fillRect/>
+            </a:stretch>
+          </p:blipFill>
+          <p:spPr>
+            <a:xfrm>
+              <a:off x="12316535" y="3440321"/>
+              <a:ext cx="5214406" cy="4951290"/>
+            </a:xfrm>
+            <a:prstGeom prst="rect">
+              <a:avLst/>
+            </a:prstGeom>
+          </p:spPr>
+        </p:pic>
+      </p:grpSp>
+      <p:grpSp>
+        <p:nvGrpSpPr>
+          <p:cNvPr id="1009" name="그룹 1009"/>
+          <p:cNvGrpSpPr/>
+          <p:nvPr/>
+        </p:nvGrpSpPr>
+        <p:grpSpPr>
+          <a:xfrm>
+            <a:off x="750131" y="3014614"/>
+            <a:ext cx="1624298" cy="307526"/>
+            <a:chOff x="750131" y="3014614"/>
+            <a:chExt cx="1624298" cy="307526"/>
+          </a:xfrm>
+        </p:grpSpPr>
+        <p:grpSp>
+          <p:nvGrpSpPr>
+            <p:cNvPr id="1010" name="그룹 1010"/>
+            <p:cNvGrpSpPr/>
+            <p:nvPr/>
+          </p:nvGrpSpPr>
+          <p:grpSpPr>
+            <a:xfrm>
+              <a:off x="826601" y="3046881"/>
+              <a:ext cx="1547828" cy="260628"/>
+              <a:chOff x="826601" y="3046881"/>
+              <a:chExt cx="1547828" cy="260628"/>
+            </a:xfrm>
+          </p:grpSpPr>
+          <p:pic>
+            <p:nvPicPr>
+              <p:cNvPr id="32" name="Object 31"/>
+              <p:cNvPicPr>
+                <a:picLocks noChangeAspect="1"/>
+              </p:cNvPicPr>
+              <p:nvPr/>
+            </p:nvPicPr>
+            <p:blipFill>
+              <a:blip r:embed="rId14" cstate="print"/>
+              <a:stretch>
+                <a:fillRect/>
+              </a:stretch>
+            </p:blipFill>
+            <p:spPr>
+              <a:xfrm>
+                <a:off x="826601" y="3046881"/>
+                <a:ext cx="1547828" cy="260628"/>
+              </a:xfrm>
+              <a:prstGeom prst="rect">
+                <a:avLst/>
+              </a:prstGeom>
+            </p:spPr>
+          </p:pic>
+        </p:grpSp>
+        <p:grpSp>
+          <p:nvGrpSpPr>
+            <p:cNvPr id="1011" name="그룹 1011"/>
+            <p:cNvGrpSpPr/>
+            <p:nvPr/>
+          </p:nvGrpSpPr>
+          <p:grpSpPr>
+            <a:xfrm>
+              <a:off x="750131" y="3014614"/>
+              <a:ext cx="334654" cy="277428"/>
+              <a:chOff x="750131" y="3014614"/>
+              <a:chExt cx="334654" cy="277428"/>
+            </a:xfrm>
+          </p:grpSpPr>
+          <p:pic>
+            <p:nvPicPr>
+              <p:cNvPr id="35" name="Object 34"/>
+              <p:cNvPicPr>
+                <a:picLocks noChangeAspect="1"/>
+              </p:cNvPicPr>
+              <p:nvPr/>
+            </p:nvPicPr>
+            <p:blipFill>
+              <a:blip r:embed="rId15" cstate="print"/>
+              <a:stretch>
+                <a:fillRect/>
+              </a:stretch>
+            </p:blipFill>
+            <p:spPr>
+              <a:xfrm>
+                <a:off x="750131" y="3014614"/>
+                <a:ext cx="334654" cy="277428"/>
+              </a:xfrm>
+              <a:prstGeom prst="rect">
+                <a:avLst/>
+              </a:prstGeom>
+            </p:spPr>
+          </p:pic>
+        </p:grpSp>
+        <p:pic>
+          <p:nvPicPr>
+            <p:cNvPr id="37" name="Object 36"/>
+            <p:cNvPicPr>
+              <a:picLocks noChangeAspect="1"/>
+            </p:cNvPicPr>
+            <p:nvPr/>
+          </p:nvPicPr>
+          <p:blipFill>
+            <a:blip r:embed="rId16" cstate="print"/>
+            <a:stretch>
+              <a:fillRect/>
+            </a:stretch>
+          </p:blipFill>
+          <p:spPr>
+            <a:xfrm>
+              <a:off x="1062801" y="3061839"/>
+              <a:ext cx="1115096" cy="296789"/>
+            </a:xfrm>
+            <a:prstGeom prst="rect">
+              <a:avLst/>
+            </a:prstGeom>
+          </p:spPr>
+        </p:pic>
+      </p:grpSp>
+      <p:grpSp>
+        <p:nvGrpSpPr>
+          <p:cNvPr id="1012" name="그룹 1012"/>
+          <p:cNvGrpSpPr/>
+          <p:nvPr/>
+        </p:nvGrpSpPr>
+        <p:grpSpPr>
+          <a:xfrm>
+            <a:off x="6642370" y="3014614"/>
+            <a:ext cx="1624298" cy="292895"/>
+            <a:chOff x="6642370" y="3014614"/>
+            <a:chExt cx="1624298" cy="292895"/>
+          </a:xfrm>
+        </p:grpSpPr>
+        <p:grpSp>
+          <p:nvGrpSpPr>
+            <p:cNvPr id="1013" name="그룹 1013"/>
+            <p:cNvGrpSpPr/>
+            <p:nvPr/>
+          </p:nvGrpSpPr>
+          <p:grpSpPr>
+            <a:xfrm>
+              <a:off x="6718839" y="3046881"/>
+              <a:ext cx="1547828" cy="260628"/>
+              <a:chOff x="6718839" y="3046881"/>
+              <a:chExt cx="1547828" cy="260628"/>
+            </a:xfrm>
+          </p:grpSpPr>
+          <p:pic>
+            <p:nvPicPr>
+              <p:cNvPr id="41" name="Object 40"/>
+              <p:cNvPicPr>
+                <a:picLocks noChangeAspect="1"/>
+              </p:cNvPicPr>
+              <p:nvPr/>
+            </p:nvPicPr>
+            <p:blipFill>
+              <a:blip r:embed="rId17" cstate="print"/>
+              <a:stretch>
+                <a:fillRect/>
+              </a:stretch>
+            </p:blipFill>
+            <p:spPr>
+              <a:xfrm>
+                <a:off x="6718839" y="3046881"/>
+                <a:ext cx="1547828" cy="260628"/>
+              </a:xfrm>
+              <a:prstGeom prst="rect">
+                <a:avLst/>
+              </a:prstGeom>
+            </p:spPr>
+          </p:pic>
+        </p:grpSp>
+        <p:grpSp>
+          <p:nvGrpSpPr>
+            <p:cNvPr id="1014" name="그룹 1014"/>
+            <p:cNvGrpSpPr/>
+            <p:nvPr/>
+          </p:nvGrpSpPr>
+          <p:grpSpPr>
+            <a:xfrm>
+              <a:off x="6642370" y="3014614"/>
+              <a:ext cx="334654" cy="277428"/>
+              <a:chOff x="6642370" y="3014614"/>
+              <a:chExt cx="334654" cy="277428"/>
+            </a:xfrm>
+          </p:grpSpPr>
+          <p:pic>
+            <p:nvPicPr>
+              <p:cNvPr id="44" name="Object 43"/>
+              <p:cNvPicPr>
+                <a:picLocks noChangeAspect="1"/>
+              </p:cNvPicPr>
+              <p:nvPr/>
+            </p:nvPicPr>
+            <p:blipFill>
+              <a:blip r:embed="rId18" cstate="print"/>
+              <a:stretch>
+                <a:fillRect/>
+              </a:stretch>
+            </p:blipFill>
+            <p:spPr>
+              <a:xfrm>
+                <a:off x="6642370" y="3014614"/>
+                <a:ext cx="334654" cy="277428"/>
+              </a:xfrm>
+              <a:prstGeom prst="rect">
+                <a:avLst/>
+              </a:prstGeom>
+            </p:spPr>
+          </p:pic>
+        </p:grpSp>
+        <p:pic>
+          <p:nvPicPr>
+            <p:cNvPr id="46" name="Object 45"/>
+            <p:cNvPicPr>
+              <a:picLocks noChangeAspect="1"/>
+            </p:cNvPicPr>
+            <p:nvPr/>
+          </p:nvPicPr>
+          <p:blipFill>
+            <a:blip r:embed="rId19" cstate="print"/>
+            <a:stretch>
+              <a:fillRect/>
+            </a:stretch>
+          </p:blipFill>
+          <p:spPr>
+            <a:xfrm>
+              <a:off x="6955036" y="3061842"/>
+              <a:ext cx="1221207" cy="296789"/>
+            </a:xfrm>
+            <a:prstGeom prst="rect">
+              <a:avLst/>
+            </a:prstGeom>
+          </p:spPr>
+        </p:pic>
+      </p:grpSp>
+      <p:grpSp>
+        <p:nvGrpSpPr>
+          <p:cNvPr id="1015" name="그룹 1015"/>
+          <p:cNvGrpSpPr/>
+          <p:nvPr/>
+        </p:nvGrpSpPr>
+        <p:grpSpPr>
+          <a:xfrm>
+            <a:off x="12261777" y="3012973"/>
+            <a:ext cx="1624298" cy="292895"/>
+            <a:chOff x="12261777" y="3012973"/>
+            <a:chExt cx="1624298" cy="292895"/>
+          </a:xfrm>
+        </p:grpSpPr>
+        <p:grpSp>
+          <p:nvGrpSpPr>
+            <p:cNvPr id="1016" name="그룹 1016"/>
+            <p:cNvGrpSpPr/>
+            <p:nvPr/>
+          </p:nvGrpSpPr>
+          <p:grpSpPr>
+            <a:xfrm>
+              <a:off x="12338247" y="3045240"/>
+              <a:ext cx="1547828" cy="260628"/>
+              <a:chOff x="12338247" y="3045240"/>
+              <a:chExt cx="1547828" cy="260628"/>
+            </a:xfrm>
+          </p:grpSpPr>
+          <p:pic>
+            <p:nvPicPr>
+              <p:cNvPr id="50" name="Object 49"/>
+              <p:cNvPicPr>
+                <a:picLocks noChangeAspect="1"/>
+              </p:cNvPicPr>
+              <p:nvPr/>
+            </p:nvPicPr>
+            <p:blipFill>
+              <a:blip r:embed="rId20" cstate="print"/>
+              <a:stretch>
+                <a:fillRect/>
+              </a:stretch>
+            </p:blipFill>
+            <p:spPr>
+              <a:xfrm>
+                <a:off x="12338247" y="3045240"/>
+                <a:ext cx="1547828" cy="260628"/>
+              </a:xfrm>
+              <a:prstGeom prst="rect">
+                <a:avLst/>
+              </a:prstGeom>
+            </p:spPr>
+          </p:pic>
+        </p:grpSp>
+        <p:grpSp>
+          <p:nvGrpSpPr>
+            <p:cNvPr id="1017" name="그룹 1017"/>
+            <p:cNvGrpSpPr/>
+            <p:nvPr/>
+          </p:nvGrpSpPr>
+          <p:grpSpPr>
+            <a:xfrm>
+              <a:off x="12261777" y="3012973"/>
+              <a:ext cx="334654" cy="277428"/>
+              <a:chOff x="12261777" y="3012973"/>
+              <a:chExt cx="334654" cy="277428"/>
+            </a:xfrm>
+          </p:grpSpPr>
+          <p:pic>
+            <p:nvPicPr>
+              <p:cNvPr id="53" name="Object 52"/>
+              <p:cNvPicPr>
+                <a:picLocks noChangeAspect="1"/>
+              </p:cNvPicPr>
+              <p:nvPr/>
+            </p:nvPicPr>
+            <p:blipFill>
+              <a:blip r:embed="rId21" cstate="print"/>
+              <a:stretch>
+                <a:fillRect/>
+              </a:stretch>
+            </p:blipFill>
+            <p:spPr>
+              <a:xfrm>
+                <a:off x="12261777" y="3012973"/>
+                <a:ext cx="334654" cy="277428"/>
+              </a:xfrm>
+              <a:prstGeom prst="rect">
+                <a:avLst/>
+              </a:prstGeom>
+            </p:spPr>
+          </p:pic>
+        </p:grpSp>
+        <p:pic>
+          <p:nvPicPr>
+            <p:cNvPr id="55" name="Object 54"/>
+            <p:cNvPicPr>
+              <a:picLocks noChangeAspect="1"/>
+            </p:cNvPicPr>
+            <p:nvPr/>
+          </p:nvPicPr>
+          <p:blipFill>
+            <a:blip r:embed="rId22" cstate="print"/>
+            <a:stretch>
+              <a:fillRect/>
+            </a:stretch>
+          </p:blipFill>
+          <p:spPr>
+            <a:xfrm>
+              <a:off x="12574469" y="3060197"/>
+              <a:ext cx="1092965" cy="296789"/>
+            </a:xfrm>
+            <a:prstGeom prst="rect">
+              <a:avLst/>
+            </a:prstGeom>
+          </p:spPr>
+        </p:pic>
+      </p:grpSp>
+      <p:pic>
+        <p:nvPicPr>
+          <p:cNvPr id="57" name="Object 56"/>
+          <p:cNvPicPr>
+            <a:picLocks noChangeAspect="1"/>
+          </p:cNvPicPr>
+          <p:nvPr/>
+        </p:nvPicPr>
+        <p:blipFill>
+          <a:blip r:embed="rId23" cstate="print"/>
+          <a:stretch>
+            <a:fillRect/>
+          </a:stretch>
+        </p:blipFill>
+        <p:spPr>
+          <a:xfrm>
+            <a:off x="6817719" y="8143778"/>
+            <a:ext cx="3757512" cy="738142"/>
+          </a:xfrm>
+          <a:prstGeom prst="rect">
+            <a:avLst/>
+          </a:prstGeom>
+        </p:spPr>
+      </p:pic>
+    </p:spTree>
+  </p:cSld>
+  <p:clrMapOvr>
+    <a:masterClrMapping/>
+  </p:clrMapOvr>
+</p:sld>
+</file>
+
+<file path=ppt/slides/slide15.xml><?xml version="1.0" encoding="utf-8"?>
+<p:sld xmlns:a="http://schemas.openxmlformats.org/drawingml/2006/main" xmlns:r="http://schemas.openxmlformats.org/officeDocument/2006/relationships" xmlns:p="http://schemas.openxmlformats.org/presentationml/2006/main">
+  <p:cSld name="Slide 15">
+    <p:bg>
+      <p:bgPr>
+        <a:solidFill>
+          <a:srgbClr val="F5F5F5"/>
+        </a:solidFill>
+        <a:effectLst/>
+      </p:bgPr>
+    </p:bg>
+    <p:spTree>
+      <p:nvGrpSpPr>
+        <p:cNvPr id="1" name=""/>
+        <p:cNvGrpSpPr/>
+        <p:nvPr/>
+      </p:nvGrpSpPr>
+      <p:grpSpPr>
+        <a:xfrm>
+          <a:off x="0" y="0"/>
+          <a:ext cx="0" cy="0"/>
+          <a:chOff x="0" y="0"/>
+          <a:chExt cx="0" cy="0"/>
+        </a:xfrm>
+      </p:grpSpPr>
+      <p:grpSp>
+        <p:nvGrpSpPr>
+          <p:cNvPr id="1001" name="그룹 1001"/>
+          <p:cNvGrpSpPr/>
+          <p:nvPr/>
+        </p:nvGrpSpPr>
+        <p:grpSpPr>
+          <a:xfrm>
+            <a:off x="-342857" y="1161905"/>
+            <a:ext cx="18971429" cy="106667"/>
+            <a:chOff x="-342857" y="1161905"/>
+            <a:chExt cx="18971429" cy="106667"/>
+          </a:xfrm>
+        </p:grpSpPr>
+        <p:pic>
+          <p:nvPicPr>
+            <p:cNvPr id="3" name="Object 2"/>
+            <p:cNvPicPr>
+              <a:picLocks noChangeAspect="1"/>
+            </p:cNvPicPr>
+            <p:nvPr/>
+          </p:nvPicPr>
+          <p:blipFill>
+            <a:blip r:embed="rId2" cstate="print"/>
+            <a:stretch>
+              <a:fillRect/>
+            </a:stretch>
+          </p:blipFill>
+          <p:spPr>
+            <a:xfrm rot="-10800000">
+              <a:off x="-342857" y="1161905"/>
+              <a:ext cx="18971429" cy="106667"/>
+            </a:xfrm>
+            <a:prstGeom prst="rect">
+              <a:avLst/>
+            </a:prstGeom>
+          </p:spPr>
+        </p:pic>
+      </p:grpSp>
+      <p:pic>
+        <p:nvPicPr>
+          <p:cNvPr id="5" name="Object 4"/>
+          <p:cNvPicPr>
+            <a:picLocks noChangeAspect="1"/>
+          </p:cNvPicPr>
+          <p:nvPr/>
+        </p:nvPicPr>
+        <p:blipFill>
+          <a:blip r:embed="rId3" cstate="print"/>
+          <a:stretch>
+            <a:fillRect/>
+          </a:stretch>
+        </p:blipFill>
+        <p:spPr>
+          <a:xfrm>
+            <a:off x="14633016" y="810313"/>
+            <a:ext cx="3607544" cy="423300"/>
+          </a:xfrm>
+          <a:prstGeom prst="rect">
+            <a:avLst/>
+          </a:prstGeom>
+        </p:spPr>
+      </p:pic>
+      <p:pic>
+        <p:nvPicPr>
+          <p:cNvPr id="6" name="Object 5"/>
+          <p:cNvPicPr>
+            <a:picLocks noChangeAspect="1"/>
+          </p:cNvPicPr>
+          <p:nvPr/>
+        </p:nvPicPr>
+        <p:blipFill>
+          <a:blip r:embed="rId4" cstate="print"/>
+          <a:stretch>
+            <a:fillRect/>
+          </a:stretch>
+        </p:blipFill>
+        <p:spPr>
+          <a:xfrm>
+            <a:off x="52338" y="575592"/>
+            <a:ext cx="6907857" cy="577509"/>
+          </a:xfrm>
+          <a:prstGeom prst="rect">
+            <a:avLst/>
+          </a:prstGeom>
+        </p:spPr>
+      </p:pic>
+      <p:pic>
+        <p:nvPicPr>
+          <p:cNvPr id="7" name="Object 6"/>
+          <p:cNvPicPr>
+            <a:picLocks noChangeAspect="1"/>
+          </p:cNvPicPr>
+          <p:nvPr/>
+        </p:nvPicPr>
+        <p:blipFill>
+          <a:blip r:embed="rId5" cstate="print"/>
+          <a:stretch>
+            <a:fillRect/>
+          </a:stretch>
+        </p:blipFill>
+        <p:spPr>
+          <a:xfrm>
+            <a:off x="14271216" y="872458"/>
+            <a:ext cx="358239" cy="269317"/>
+          </a:xfrm>
+          <a:prstGeom prst="rect">
+            <a:avLst/>
+          </a:prstGeom>
+        </p:spPr>
+      </p:pic>
+      <p:grpSp>
+        <p:nvGrpSpPr>
+          <p:cNvPr id="1002" name="그룹 1002"/>
+          <p:cNvGrpSpPr/>
+          <p:nvPr/>
+        </p:nvGrpSpPr>
+        <p:grpSpPr>
+          <a:xfrm>
+            <a:off x="13952300" y="841003"/>
+            <a:ext cx="291196" cy="291196"/>
+            <a:chOff x="13952300" y="841003"/>
+            <a:chExt cx="291196" cy="291196"/>
+          </a:xfrm>
+        </p:grpSpPr>
+        <p:grpSp>
+          <p:nvGrpSpPr>
+            <p:cNvPr id="1003" name="그룹 1003"/>
+            <p:cNvGrpSpPr/>
+            <p:nvPr/>
+          </p:nvGrpSpPr>
+          <p:grpSpPr>
+            <a:xfrm>
+              <a:off x="13952300" y="841003"/>
+              <a:ext cx="291196" cy="291196"/>
+              <a:chOff x="13952300" y="841003"/>
+              <a:chExt cx="291196" cy="291196"/>
+            </a:xfrm>
+          </p:grpSpPr>
+          <p:pic>
+            <p:nvPicPr>
+              <p:cNvPr id="10" name="Object 9"/>
+              <p:cNvPicPr>
+                <a:picLocks noChangeAspect="1"/>
+              </p:cNvPicPr>
+              <p:nvPr/>
+            </p:nvPicPr>
+            <p:blipFill>
+              <a:blip r:embed="rId6" cstate="print"/>
+              <a:stretch>
+                <a:fillRect/>
+              </a:stretch>
+            </p:blipFill>
+            <p:spPr>
+              <a:xfrm>
+                <a:off x="13952300" y="841003"/>
+                <a:ext cx="291196" cy="291196"/>
+              </a:xfrm>
+              <a:prstGeom prst="rect">
+                <a:avLst/>
+              </a:prstGeom>
+            </p:spPr>
+          </p:pic>
+        </p:grpSp>
+        <p:pic>
+          <p:nvPicPr>
+            <p:cNvPr id="12" name="Object 11"/>
+            <p:cNvPicPr>
+              <a:picLocks noChangeAspect="1"/>
+            </p:cNvPicPr>
+            <p:nvPr/>
+          </p:nvPicPr>
+          <p:blipFill>
+            <a:blip r:embed="rId7" cstate="print"/>
+            <a:stretch>
+              <a:fillRect/>
+            </a:stretch>
+          </p:blipFill>
+          <p:spPr>
+            <a:xfrm>
+              <a:off x="13950542" y="883935"/>
+              <a:ext cx="296754" cy="270851"/>
+            </a:xfrm>
+            <a:prstGeom prst="rect">
+              <a:avLst/>
+            </a:prstGeom>
+          </p:spPr>
+        </p:pic>
+      </p:grpSp>
+      <p:pic>
+        <p:nvPicPr>
+          <p:cNvPr id="14" name="Object 13"/>
+          <p:cNvPicPr>
+            <a:picLocks noChangeAspect="1"/>
+          </p:cNvPicPr>
+          <p:nvPr/>
+        </p:nvPicPr>
+        <p:blipFill>
+          <a:blip r:embed="rId8" cstate="print"/>
+          <a:stretch>
+            <a:fillRect/>
+          </a:stretch>
+        </p:blipFill>
+        <p:spPr>
+          <a:xfrm>
+            <a:off x="2955869" y="1880288"/>
+            <a:ext cx="8213133" cy="1443774"/>
+          </a:xfrm>
+          <a:prstGeom prst="rect">
+            <a:avLst/>
+          </a:prstGeom>
+        </p:spPr>
+      </p:pic>
+      <p:pic>
+        <p:nvPicPr>
+          <p:cNvPr id="15" name="Object 14"/>
+          <p:cNvPicPr>
+            <a:picLocks noChangeAspect="1"/>
+          </p:cNvPicPr>
+          <p:nvPr/>
+        </p:nvPicPr>
+        <p:blipFill>
+          <a:blip r:embed="rId9" cstate="print"/>
+          <a:stretch>
+            <a:fillRect/>
+          </a:stretch>
+        </p:blipFill>
+        <p:spPr>
+          <a:xfrm>
+            <a:off x="1721860" y="2082726"/>
+            <a:ext cx="1223198" cy="918576"/>
+          </a:xfrm>
+          <a:prstGeom prst="rect">
+            <a:avLst/>
+          </a:prstGeom>
+        </p:spPr>
+      </p:pic>
+      <p:grpSp>
+        <p:nvGrpSpPr>
+          <p:cNvPr id="1004" name="그룹 1004"/>
+          <p:cNvGrpSpPr/>
+          <p:nvPr/>
+        </p:nvGrpSpPr>
+        <p:grpSpPr>
+          <a:xfrm>
+            <a:off x="634112" y="1937346"/>
+            <a:ext cx="993200" cy="993200"/>
+            <a:chOff x="634112" y="1937346"/>
+            <a:chExt cx="993200" cy="993200"/>
+          </a:xfrm>
+        </p:grpSpPr>
+        <p:grpSp>
+          <p:nvGrpSpPr>
+            <p:cNvPr id="1005" name="그룹 1005"/>
+            <p:cNvGrpSpPr/>
+            <p:nvPr/>
+          </p:nvGrpSpPr>
+          <p:grpSpPr>
+            <a:xfrm>
+              <a:off x="634112" y="1937346"/>
+              <a:ext cx="993200" cy="993200"/>
+              <a:chOff x="634112" y="1937346"/>
+              <a:chExt cx="993200" cy="993200"/>
+            </a:xfrm>
+          </p:grpSpPr>
+          <p:pic>
+            <p:nvPicPr>
+              <p:cNvPr id="18" name="Object 17"/>
+              <p:cNvPicPr>
+                <a:picLocks noChangeAspect="1"/>
+              </p:cNvPicPr>
+              <p:nvPr/>
+            </p:nvPicPr>
+            <p:blipFill>
+              <a:blip r:embed="rId10" cstate="print"/>
+              <a:stretch>
+                <a:fillRect/>
+              </a:stretch>
+            </p:blipFill>
+            <p:spPr>
+              <a:xfrm>
+                <a:off x="634112" y="1937346"/>
+                <a:ext cx="993200" cy="993200"/>
+              </a:xfrm>
+              <a:prstGeom prst="rect">
+                <a:avLst/>
+              </a:prstGeom>
+            </p:spPr>
+          </p:pic>
+        </p:grpSp>
+        <p:pic>
+          <p:nvPicPr>
+            <p:cNvPr id="20" name="Object 19"/>
+            <p:cNvPicPr>
+              <a:picLocks noChangeAspect="1"/>
+            </p:cNvPicPr>
+            <p:nvPr/>
+          </p:nvPicPr>
+          <p:blipFill>
+            <a:blip r:embed="rId11" cstate="print"/>
+            <a:stretch>
+              <a:fillRect/>
+            </a:stretch>
+          </p:blipFill>
+          <p:spPr>
+            <a:xfrm>
+              <a:off x="628117" y="2083775"/>
+              <a:ext cx="1012157" cy="923808"/>
+            </a:xfrm>
+            <a:prstGeom prst="rect">
+              <a:avLst/>
+            </a:prstGeom>
+          </p:spPr>
+        </p:pic>
+      </p:grpSp>
+      <p:pic>
+        <p:nvPicPr>
+          <p:cNvPr id="22" name="Object 21"/>
+          <p:cNvPicPr>
+            <a:picLocks noChangeAspect="1"/>
+          </p:cNvPicPr>
+          <p:nvPr/>
+        </p:nvPicPr>
+        <p:blipFill>
+          <a:blip r:embed="rId12" cstate="print"/>
+          <a:stretch>
+            <a:fillRect/>
+          </a:stretch>
+        </p:blipFill>
+        <p:spPr>
+          <a:xfrm>
+            <a:off x="3486667" y="2938570"/>
+            <a:ext cx="6066493" cy="520620"/>
+          </a:xfrm>
+          <a:prstGeom prst="rect">
+            <a:avLst/>
+          </a:prstGeom>
+        </p:spPr>
+      </p:pic>
+      <p:grpSp>
+        <p:nvGrpSpPr>
+          <p:cNvPr id="1006" name="그룹 1006"/>
+          <p:cNvGrpSpPr/>
+          <p:nvPr/>
+        </p:nvGrpSpPr>
+        <p:grpSpPr>
+          <a:xfrm>
+            <a:off x="3165052" y="2972284"/>
+            <a:ext cx="236000" cy="363890"/>
+            <a:chOff x="3165052" y="2972284"/>
+            <a:chExt cx="236000" cy="363890"/>
+          </a:xfrm>
+        </p:grpSpPr>
+        <p:pic>
+          <p:nvPicPr>
+            <p:cNvPr id="24" name="Object 23"/>
+            <p:cNvPicPr>
+              <a:picLocks noChangeAspect="1"/>
+            </p:cNvPicPr>
+            <p:nvPr/>
+          </p:nvPicPr>
+          <p:blipFill>
+            <a:blip r:embed="rId13" cstate="print"/>
+            <a:stretch>
+              <a:fillRect/>
+            </a:stretch>
+          </p:blipFill>
+          <p:spPr>
+            <a:xfrm rot="4080000">
+              <a:off x="3165052" y="2972284"/>
+              <a:ext cx="236000" cy="363890"/>
+            </a:xfrm>
+            <a:prstGeom prst="rect">
+              <a:avLst/>
+            </a:prstGeom>
+          </p:spPr>
+        </p:pic>
+      </p:grpSp>
+      <p:grpSp>
+        <p:nvGrpSpPr>
+          <p:cNvPr id="1007" name="그룹 1007"/>
+          <p:cNvGrpSpPr/>
+          <p:nvPr/>
+        </p:nvGrpSpPr>
+        <p:grpSpPr>
+          <a:xfrm>
+            <a:off x="5202096" y="3677132"/>
+            <a:ext cx="5243962" cy="6358882"/>
+            <a:chOff x="5202096" y="3677132"/>
+            <a:chExt cx="5243962" cy="6358882"/>
+          </a:xfrm>
+        </p:grpSpPr>
+        <p:pic>
+          <p:nvPicPr>
+            <p:cNvPr id="27" name="Object 26"/>
+            <p:cNvPicPr>
+              <a:picLocks noChangeAspect="1"/>
+            </p:cNvPicPr>
+            <p:nvPr/>
+          </p:nvPicPr>
+          <p:blipFill>
+            <a:blip r:embed="rId14" cstate="print"/>
+            <a:stretch>
+              <a:fillRect/>
+            </a:stretch>
+          </p:blipFill>
+          <p:spPr>
+            <a:xfrm>
+              <a:off x="5202096" y="3677132"/>
+              <a:ext cx="5243962" cy="6358882"/>
+            </a:xfrm>
+            <a:prstGeom prst="rect">
+              <a:avLst/>
+            </a:prstGeom>
+          </p:spPr>
+        </p:pic>
+      </p:grpSp>
+    </p:spTree>
+  </p:cSld>
+  <p:clrMapOvr>
+    <a:masterClrMapping/>
+  </p:clrMapOvr>
+</p:sld>
+</file>
+
+<file path=ppt/slides/slide16.xml><?xml version="1.0" encoding="utf-8"?>
+<p:sld xmlns:a="http://schemas.openxmlformats.org/drawingml/2006/main" xmlns:r="http://schemas.openxmlformats.org/officeDocument/2006/relationships" xmlns:p="http://schemas.openxmlformats.org/presentationml/2006/main">
+  <p:cSld name="Slide 16">
+    <p:bg>
+      <p:bgPr>
+        <a:solidFill>
+          <a:srgbClr val="F5F5F5"/>
+        </a:solidFill>
+        <a:effectLst/>
+      </p:bgPr>
+    </p:bg>
+    <p:spTree>
+      <p:nvGrpSpPr>
+        <p:cNvPr id="1" name=""/>
+        <p:cNvGrpSpPr/>
+        <p:nvPr/>
+      </p:nvGrpSpPr>
+      <p:grpSpPr>
+        <a:xfrm>
+          <a:off x="0" y="0"/>
+          <a:ext cx="0" cy="0"/>
+          <a:chOff x="0" y="0"/>
+          <a:chExt cx="0" cy="0"/>
+        </a:xfrm>
+      </p:grpSpPr>
+      <p:grpSp>
+        <p:nvGrpSpPr>
+          <p:cNvPr id="1001" name="그룹 1001"/>
+          <p:cNvGrpSpPr/>
+          <p:nvPr/>
+        </p:nvGrpSpPr>
+        <p:grpSpPr>
+          <a:xfrm>
+            <a:off x="-342857" y="1161905"/>
+            <a:ext cx="18971429" cy="106667"/>
+            <a:chOff x="-342857" y="1161905"/>
+            <a:chExt cx="18971429" cy="106667"/>
+          </a:xfrm>
+        </p:grpSpPr>
+        <p:pic>
+          <p:nvPicPr>
+            <p:cNvPr id="3" name="Object 2"/>
+            <p:cNvPicPr>
+              <a:picLocks noChangeAspect="1"/>
+            </p:cNvPicPr>
+            <p:nvPr/>
+          </p:nvPicPr>
+          <p:blipFill>
+            <a:blip r:embed="rId2" cstate="print"/>
+            <a:stretch>
+              <a:fillRect/>
+            </a:stretch>
+          </p:blipFill>
+          <p:spPr>
+            <a:xfrm rot="-10800000">
+              <a:off x="-342857" y="1161905"/>
+              <a:ext cx="18971429" cy="106667"/>
+            </a:xfrm>
+            <a:prstGeom prst="rect">
+              <a:avLst/>
+            </a:prstGeom>
+          </p:spPr>
+        </p:pic>
+      </p:grpSp>
+      <p:pic>
+        <p:nvPicPr>
+          <p:cNvPr id="5" name="Object 4"/>
+          <p:cNvPicPr>
+            <a:picLocks noChangeAspect="1"/>
+          </p:cNvPicPr>
+          <p:nvPr/>
+        </p:nvPicPr>
+        <p:blipFill>
+          <a:blip r:embed="rId3" cstate="print"/>
+          <a:stretch>
+            <a:fillRect/>
+          </a:stretch>
+        </p:blipFill>
+        <p:spPr>
+          <a:xfrm>
+            <a:off x="52338" y="575592"/>
+            <a:ext cx="6907857" cy="577509"/>
+          </a:xfrm>
+          <a:prstGeom prst="rect">
+            <a:avLst/>
+          </a:prstGeom>
+        </p:spPr>
+      </p:pic>
+      <p:pic>
+        <p:nvPicPr>
+          <p:cNvPr id="6" name="Object 5"/>
+          <p:cNvPicPr>
+            <a:picLocks noChangeAspect="1"/>
+          </p:cNvPicPr>
+          <p:nvPr/>
+        </p:nvPicPr>
+        <p:blipFill>
+          <a:blip r:embed="rId4" cstate="print"/>
+          <a:stretch>
+            <a:fillRect/>
+          </a:stretch>
+        </p:blipFill>
+        <p:spPr>
+          <a:xfrm>
+            <a:off x="12950280" y="807288"/>
+            <a:ext cx="5262408" cy="400219"/>
+          </a:xfrm>
+          <a:prstGeom prst="rect">
+            <a:avLst/>
+          </a:prstGeom>
+        </p:spPr>
+      </p:pic>
+      <p:pic>
+        <p:nvPicPr>
+          <p:cNvPr id="7" name="Object 6"/>
+          <p:cNvPicPr>
+            <a:picLocks noChangeAspect="1"/>
+          </p:cNvPicPr>
+          <p:nvPr/>
+        </p:nvPicPr>
+        <p:blipFill>
+          <a:blip r:embed="rId5" cstate="print"/>
+          <a:stretch>
+            <a:fillRect/>
+          </a:stretch>
+        </p:blipFill>
+        <p:spPr>
+          <a:xfrm>
+            <a:off x="12647649" y="879266"/>
+            <a:ext cx="339999" cy="254632"/>
+          </a:xfrm>
+          <a:prstGeom prst="rect">
+            <a:avLst/>
+          </a:prstGeom>
+        </p:spPr>
+      </p:pic>
+      <p:grpSp>
+        <p:nvGrpSpPr>
+          <p:cNvPr id="1002" name="그룹 1002"/>
+          <p:cNvGrpSpPr/>
+          <p:nvPr/>
+        </p:nvGrpSpPr>
+        <p:grpSpPr>
+          <a:xfrm>
+            <a:off x="12346123" y="838967"/>
+            <a:ext cx="275318" cy="275318"/>
+            <a:chOff x="12346123" y="838967"/>
+            <a:chExt cx="275318" cy="275318"/>
+          </a:xfrm>
+        </p:grpSpPr>
+        <p:grpSp>
+          <p:nvGrpSpPr>
+            <p:cNvPr id="1003" name="그룹 1003"/>
+            <p:cNvGrpSpPr/>
+            <p:nvPr/>
+          </p:nvGrpSpPr>
+          <p:grpSpPr>
+            <a:xfrm>
+              <a:off x="12346123" y="838967"/>
+              <a:ext cx="275318" cy="275318"/>
+              <a:chOff x="12346123" y="838967"/>
+              <a:chExt cx="275318" cy="275318"/>
+            </a:xfrm>
+          </p:grpSpPr>
+          <p:pic>
+            <p:nvPicPr>
+              <p:cNvPr id="10" name="Object 9"/>
+              <p:cNvPicPr>
+                <a:picLocks noChangeAspect="1"/>
+              </p:cNvPicPr>
+              <p:nvPr/>
+            </p:nvPicPr>
+            <p:blipFill>
+              <a:blip r:embed="rId6" cstate="print"/>
+              <a:stretch>
+                <a:fillRect/>
+              </a:stretch>
+            </p:blipFill>
+            <p:spPr>
+              <a:xfrm>
+                <a:off x="12346123" y="838967"/>
+                <a:ext cx="275318" cy="275318"/>
+              </a:xfrm>
+              <a:prstGeom prst="rect">
+                <a:avLst/>
+              </a:prstGeom>
+            </p:spPr>
+          </p:pic>
+        </p:grpSp>
+        <p:pic>
+          <p:nvPicPr>
+            <p:cNvPr id="12" name="Object 11"/>
+            <p:cNvPicPr>
+              <a:picLocks noChangeAspect="1"/>
+            </p:cNvPicPr>
+            <p:nvPr/>
+          </p:nvPicPr>
+          <p:blipFill>
+            <a:blip r:embed="rId7" cstate="print"/>
+            <a:stretch>
+              <a:fillRect/>
+            </a:stretch>
+          </p:blipFill>
+          <p:spPr>
+            <a:xfrm>
+              <a:off x="12344461" y="879558"/>
+              <a:ext cx="280573" cy="256083"/>
+            </a:xfrm>
+            <a:prstGeom prst="rect">
+              <a:avLst/>
+            </a:prstGeom>
+          </p:spPr>
+        </p:pic>
+      </p:grpSp>
+    </p:spTree>
+  </p:cSld>
+  <p:clrMapOvr>
+    <a:masterClrMapping/>
+  </p:clrMapOvr>
+</p:sld>
+</file>
+
+<file path=ppt/slides/slide17.xml><?xml version="1.0" encoding="utf-8"?>
+<p:sld xmlns:a="http://schemas.openxmlformats.org/drawingml/2006/main" xmlns:r="http://schemas.openxmlformats.org/officeDocument/2006/relationships" xmlns:p="http://schemas.openxmlformats.org/presentationml/2006/main">
+  <p:cSld name="Slide 17">
+    <p:bg>
+      <p:bgPr>
+        <a:solidFill>
+          <a:srgbClr val="F5F5F5"/>
+        </a:solidFill>
+        <a:effectLst/>
+      </p:bgPr>
+    </p:bg>
+    <p:spTree>
+      <p:nvGrpSpPr>
+        <p:cNvPr id="1" name=""/>
+        <p:cNvGrpSpPr/>
+        <p:nvPr/>
+      </p:nvGrpSpPr>
+      <p:grpSpPr>
+        <a:xfrm>
+          <a:off x="0" y="0"/>
+          <a:ext cx="0" cy="0"/>
+          <a:chOff x="0" y="0"/>
+          <a:chExt cx="0" cy="0"/>
+        </a:xfrm>
+      </p:grpSpPr>
+      <p:grpSp>
+        <p:nvGrpSpPr>
+          <p:cNvPr id="1001" name="그룹 1001"/>
+          <p:cNvGrpSpPr/>
+          <p:nvPr/>
+        </p:nvGrpSpPr>
+        <p:grpSpPr>
+          <a:xfrm>
+            <a:off x="-342857" y="1161905"/>
+            <a:ext cx="18971429" cy="106667"/>
+            <a:chOff x="-342857" y="1161905"/>
+            <a:chExt cx="18971429" cy="106667"/>
+          </a:xfrm>
+        </p:grpSpPr>
+        <p:pic>
+          <p:nvPicPr>
+            <p:cNvPr id="3" name="Object 2"/>
+            <p:cNvPicPr>
+              <a:picLocks noChangeAspect="1"/>
+            </p:cNvPicPr>
+            <p:nvPr/>
+          </p:nvPicPr>
+          <p:blipFill>
+            <a:blip r:embed="rId2" cstate="print"/>
+            <a:stretch>
+              <a:fillRect/>
+            </a:stretch>
+          </p:blipFill>
+          <p:spPr>
+            <a:xfrm rot="-10800000">
+              <a:off x="-342857" y="1161905"/>
+              <a:ext cx="18971429" cy="106667"/>
+            </a:xfrm>
+            <a:prstGeom prst="rect">
+              <a:avLst/>
+            </a:prstGeom>
+          </p:spPr>
+        </p:pic>
+      </p:grpSp>
+      <p:pic>
+        <p:nvPicPr>
+          <p:cNvPr id="5" name="Object 4"/>
+          <p:cNvPicPr>
+            <a:picLocks noChangeAspect="1"/>
+          </p:cNvPicPr>
+          <p:nvPr/>
+        </p:nvPicPr>
+        <p:blipFill>
+          <a:blip r:embed="rId3" cstate="print"/>
+          <a:stretch>
+            <a:fillRect/>
+          </a:stretch>
+        </p:blipFill>
+        <p:spPr>
+          <a:xfrm>
+            <a:off x="52338" y="575592"/>
+            <a:ext cx="6907857" cy="577509"/>
+          </a:xfrm>
+          <a:prstGeom prst="rect">
+            <a:avLst/>
+          </a:prstGeom>
+        </p:spPr>
+      </p:pic>
+      <p:pic>
+        <p:nvPicPr>
+          <p:cNvPr id="6" name="Object 5"/>
+          <p:cNvPicPr>
+            <a:picLocks noChangeAspect="1"/>
+          </p:cNvPicPr>
+          <p:nvPr/>
+        </p:nvPicPr>
+        <p:blipFill>
+          <a:blip r:embed="rId4" cstate="print"/>
+          <a:stretch>
+            <a:fillRect/>
+          </a:stretch>
+        </p:blipFill>
+        <p:spPr>
+          <a:xfrm>
+            <a:off x="2091588" y="1931464"/>
+            <a:ext cx="14168036" cy="2350419"/>
+          </a:xfrm>
+          <a:prstGeom prst="rect">
+            <a:avLst/>
+          </a:prstGeom>
+        </p:spPr>
+      </p:pic>
+      <p:pic>
+        <p:nvPicPr>
+          <p:cNvPr id="7" name="Object 6"/>
+          <p:cNvPicPr>
+            <a:picLocks noChangeAspect="1"/>
+          </p:cNvPicPr>
+          <p:nvPr/>
+        </p:nvPicPr>
+        <p:blipFill>
+          <a:blip r:embed="rId5" cstate="print"/>
+          <a:stretch>
+            <a:fillRect/>
+          </a:stretch>
+        </p:blipFill>
+        <p:spPr>
+          <a:xfrm>
+            <a:off x="3517249" y="4179334"/>
+            <a:ext cx="9577363" cy="520620"/>
+          </a:xfrm>
+          <a:prstGeom prst="rect">
+            <a:avLst/>
+          </a:prstGeom>
+        </p:spPr>
+      </p:pic>
+      <p:grpSp>
+        <p:nvGrpSpPr>
+          <p:cNvPr id="1002" name="그룹 1002"/>
+          <p:cNvGrpSpPr/>
+          <p:nvPr/>
+        </p:nvGrpSpPr>
+        <p:grpSpPr>
+          <a:xfrm>
+            <a:off x="3176429" y="4194004"/>
+            <a:ext cx="236000" cy="363890"/>
+            <a:chOff x="3176429" y="4194004"/>
+            <a:chExt cx="236000" cy="363890"/>
+          </a:xfrm>
+        </p:grpSpPr>
+        <p:pic>
+          <p:nvPicPr>
+            <p:cNvPr id="9" name="Object 8"/>
+            <p:cNvPicPr>
+              <a:picLocks noChangeAspect="1"/>
+            </p:cNvPicPr>
+            <p:nvPr/>
+          </p:nvPicPr>
+          <p:blipFill>
+            <a:blip r:embed="rId6" cstate="print"/>
+            <a:stretch>
+              <a:fillRect/>
+            </a:stretch>
+          </p:blipFill>
+          <p:spPr>
+            <a:xfrm rot="4080000">
+              <a:off x="3176429" y="4194004"/>
+              <a:ext cx="236000" cy="363890"/>
+            </a:xfrm>
+            <a:prstGeom prst="rect">
+              <a:avLst/>
+            </a:prstGeom>
+          </p:spPr>
+        </p:pic>
+      </p:grpSp>
+      <p:pic>
+        <p:nvPicPr>
+          <p:cNvPr id="11" name="Object 10"/>
+          <p:cNvPicPr>
+            <a:picLocks noChangeAspect="1"/>
+          </p:cNvPicPr>
+          <p:nvPr/>
+        </p:nvPicPr>
+        <p:blipFill>
+          <a:blip r:embed="rId7" cstate="print"/>
+          <a:stretch>
+            <a:fillRect/>
+          </a:stretch>
+        </p:blipFill>
+        <p:spPr>
+          <a:xfrm>
+            <a:off x="12950280" y="807288"/>
+            <a:ext cx="5262408" cy="400219"/>
+          </a:xfrm>
+          <a:prstGeom prst="rect">
+            <a:avLst/>
+          </a:prstGeom>
+        </p:spPr>
+      </p:pic>
+      <p:pic>
+        <p:nvPicPr>
+          <p:cNvPr id="12" name="Object 11"/>
+          <p:cNvPicPr>
+            <a:picLocks noChangeAspect="1"/>
+          </p:cNvPicPr>
+          <p:nvPr/>
+        </p:nvPicPr>
+        <p:blipFill>
+          <a:blip r:embed="rId8" cstate="print"/>
+          <a:stretch>
+            <a:fillRect/>
+          </a:stretch>
+        </p:blipFill>
+        <p:spPr>
+          <a:xfrm>
+            <a:off x="12647649" y="879266"/>
+            <a:ext cx="339999" cy="254632"/>
+          </a:xfrm>
+          <a:prstGeom prst="rect">
+            <a:avLst/>
+          </a:prstGeom>
+        </p:spPr>
+      </p:pic>
+      <p:grpSp>
+        <p:nvGrpSpPr>
+          <p:cNvPr id="1003" name="그룹 1003"/>
+          <p:cNvGrpSpPr/>
+          <p:nvPr/>
+        </p:nvGrpSpPr>
+        <p:grpSpPr>
+          <a:xfrm>
+            <a:off x="12346123" y="838967"/>
+            <a:ext cx="275318" cy="275318"/>
+            <a:chOff x="12346123" y="838967"/>
+            <a:chExt cx="275318" cy="275318"/>
+          </a:xfrm>
+        </p:grpSpPr>
+        <p:grpSp>
+          <p:nvGrpSpPr>
+            <p:cNvPr id="1004" name="그룹 1004"/>
+            <p:cNvGrpSpPr/>
+            <p:nvPr/>
+          </p:nvGrpSpPr>
+          <p:grpSpPr>
+            <a:xfrm>
+              <a:off x="12346123" y="838967"/>
+              <a:ext cx="275318" cy="275318"/>
+              <a:chOff x="12346123" y="838967"/>
+              <a:chExt cx="275318" cy="275318"/>
+            </a:xfrm>
+          </p:grpSpPr>
+          <p:pic>
+            <p:nvPicPr>
+              <p:cNvPr id="15" name="Object 14"/>
+              <p:cNvPicPr>
+                <a:picLocks noChangeAspect="1"/>
+              </p:cNvPicPr>
+              <p:nvPr/>
+            </p:nvPicPr>
+            <p:blipFill>
+              <a:blip r:embed="rId9" cstate="print"/>
+              <a:stretch>
+                <a:fillRect/>
+              </a:stretch>
+            </p:blipFill>
+            <p:spPr>
+              <a:xfrm>
+                <a:off x="12346123" y="838967"/>
+                <a:ext cx="275318" cy="275318"/>
+              </a:xfrm>
+              <a:prstGeom prst="rect">
+                <a:avLst/>
+              </a:prstGeom>
+            </p:spPr>
+          </p:pic>
+        </p:grpSp>
+        <p:pic>
+          <p:nvPicPr>
+            <p:cNvPr id="17" name="Object 16"/>
+            <p:cNvPicPr>
+              <a:picLocks noChangeAspect="1"/>
+            </p:cNvPicPr>
+            <p:nvPr/>
+          </p:nvPicPr>
+          <p:blipFill>
+            <a:blip r:embed="rId10" cstate="print"/>
+            <a:stretch>
+              <a:fillRect/>
+            </a:stretch>
+          </p:blipFill>
+          <p:spPr>
+            <a:xfrm>
+              <a:off x="12344461" y="879558"/>
+              <a:ext cx="280573" cy="256083"/>
+            </a:xfrm>
+            <a:prstGeom prst="rect">
+              <a:avLst/>
+            </a:prstGeom>
+          </p:spPr>
+        </p:pic>
+      </p:grpSp>
+      <p:grpSp>
+        <p:nvGrpSpPr>
+          <p:cNvPr id="1005" name="그룹 1005"/>
+          <p:cNvGrpSpPr/>
+          <p:nvPr/>
+        </p:nvGrpSpPr>
+        <p:grpSpPr>
+          <a:xfrm>
+            <a:off x="961896" y="1931960"/>
+            <a:ext cx="983596" cy="983596"/>
+            <a:chOff x="961896" y="1931960"/>
+            <a:chExt cx="983596" cy="983596"/>
+          </a:xfrm>
+        </p:grpSpPr>
+        <p:grpSp>
+          <p:nvGrpSpPr>
+            <p:cNvPr id="1006" name="그룹 1006"/>
+            <p:cNvGrpSpPr/>
+            <p:nvPr/>
+          </p:nvGrpSpPr>
+          <p:grpSpPr>
+            <a:xfrm>
+              <a:off x="961896" y="1931960"/>
+              <a:ext cx="983596" cy="983596"/>
+              <a:chOff x="961896" y="1931960"/>
+              <a:chExt cx="983596" cy="983596"/>
+            </a:xfrm>
+          </p:grpSpPr>
+          <p:pic>
+            <p:nvPicPr>
+              <p:cNvPr id="21" name="Object 20"/>
+              <p:cNvPicPr>
+                <a:picLocks noChangeAspect="1"/>
+              </p:cNvPicPr>
+              <p:nvPr/>
+            </p:nvPicPr>
+            <p:blipFill>
+              <a:blip r:embed="rId11" cstate="print"/>
+              <a:stretch>
+                <a:fillRect/>
+              </a:stretch>
+            </p:blipFill>
+            <p:spPr>
+              <a:xfrm>
+                <a:off x="961896" y="1931960"/>
+                <a:ext cx="983596" cy="983596"/>
+              </a:xfrm>
+              <a:prstGeom prst="rect">
+                <a:avLst/>
+              </a:prstGeom>
+            </p:spPr>
+          </p:pic>
+        </p:grpSp>
+        <p:pic>
+          <p:nvPicPr>
+            <p:cNvPr id="23" name="Object 22"/>
+            <p:cNvPicPr>
+              <a:picLocks noChangeAspect="1"/>
+            </p:cNvPicPr>
+            <p:nvPr/>
+          </p:nvPicPr>
+          <p:blipFill>
+            <a:blip r:embed="rId12" cstate="print"/>
+            <a:stretch>
+              <a:fillRect/>
+            </a:stretch>
+          </p:blipFill>
+          <p:spPr>
+            <a:xfrm>
+              <a:off x="955958" y="2076973"/>
+              <a:ext cx="1003697" cy="914875"/>
+            </a:xfrm>
+            <a:prstGeom prst="rect">
+              <a:avLst/>
+            </a:prstGeom>
+          </p:spPr>
+        </p:pic>
+      </p:grpSp>
+      <p:grpSp>
+        <p:nvGrpSpPr>
+          <p:cNvPr id="1007" name="그룹 1007"/>
+          <p:cNvGrpSpPr/>
+          <p:nvPr/>
+        </p:nvGrpSpPr>
+        <p:grpSpPr>
+          <a:xfrm>
+            <a:off x="2205870" y="5447538"/>
+            <a:ext cx="3881131" cy="2283018"/>
+            <a:chOff x="2205870" y="5447538"/>
+            <a:chExt cx="3881131" cy="2283018"/>
+          </a:xfrm>
+        </p:grpSpPr>
+        <p:pic>
+          <p:nvPicPr>
+            <p:cNvPr id="26" name="Object 25"/>
+            <p:cNvPicPr>
+              <a:picLocks noChangeAspect="1"/>
+            </p:cNvPicPr>
+            <p:nvPr/>
+          </p:nvPicPr>
+          <p:blipFill>
+            <a:blip r:embed="rId13" cstate="print"/>
+            <a:stretch>
+              <a:fillRect/>
+            </a:stretch>
+          </p:blipFill>
+          <p:spPr>
+            <a:xfrm>
+              <a:off x="2205870" y="5447538"/>
+              <a:ext cx="3881131" cy="2283018"/>
+            </a:xfrm>
+            <a:prstGeom prst="rect">
+              <a:avLst/>
+            </a:prstGeom>
+          </p:spPr>
+        </p:pic>
+      </p:grpSp>
+      <p:grpSp>
+        <p:nvGrpSpPr>
+          <p:cNvPr id="1008" name="그룹 1008"/>
+          <p:cNvGrpSpPr/>
+          <p:nvPr/>
+        </p:nvGrpSpPr>
+        <p:grpSpPr>
+          <a:xfrm>
+            <a:off x="9831585" y="5249555"/>
+            <a:ext cx="6171429" cy="2858545"/>
+            <a:chOff x="9831585" y="5249555"/>
+            <a:chExt cx="6171429" cy="2858545"/>
+          </a:xfrm>
+        </p:grpSpPr>
+        <p:pic>
+          <p:nvPicPr>
+            <p:cNvPr id="29" name="Object 28"/>
+            <p:cNvPicPr>
+              <a:picLocks noChangeAspect="1"/>
+            </p:cNvPicPr>
+            <p:nvPr/>
+          </p:nvPicPr>
+          <p:blipFill>
+            <a:blip r:embed="rId14" cstate="print"/>
+            <a:stretch>
+              <a:fillRect/>
+            </a:stretch>
+          </p:blipFill>
+          <p:spPr>
+            <a:xfrm>
+              <a:off x="9831585" y="5249555"/>
+              <a:ext cx="6171429" cy="2858545"/>
+            </a:xfrm>
+            <a:prstGeom prst="rect">
+              <a:avLst/>
+            </a:prstGeom>
+          </p:spPr>
+        </p:pic>
+      </p:grpSp>
+      <p:grpSp>
+        <p:nvGrpSpPr>
+          <p:cNvPr id="1009" name="그룹 1009"/>
+          <p:cNvGrpSpPr/>
+          <p:nvPr/>
+        </p:nvGrpSpPr>
+        <p:grpSpPr>
+          <a:xfrm>
+            <a:off x="6727671" y="6499266"/>
+            <a:ext cx="2687083" cy="179561"/>
+            <a:chOff x="6727671" y="6499266"/>
+            <a:chExt cx="2687083" cy="179561"/>
+          </a:xfrm>
+        </p:grpSpPr>
+        <p:pic>
+          <p:nvPicPr>
+            <p:cNvPr id="32" name="Object 31"/>
+            <p:cNvPicPr>
+              <a:picLocks noChangeAspect="1"/>
+            </p:cNvPicPr>
+            <p:nvPr/>
+          </p:nvPicPr>
+          <p:blipFill>
+            <a:blip r:embed="rId15" cstate="print"/>
+            <a:stretch>
+              <a:fillRect/>
+            </a:stretch>
+          </p:blipFill>
+          <p:spPr>
+            <a:xfrm>
+              <a:off x="6727671" y="6499266"/>
+              <a:ext cx="2687083" cy="179561"/>
+            </a:xfrm>
+            <a:prstGeom prst="rect">
+              <a:avLst/>
+            </a:prstGeom>
+          </p:spPr>
+        </p:pic>
+      </p:grpSp>
+      <p:pic>
+        <p:nvPicPr>
+          <p:cNvPr id="34" name="Object 33"/>
+          <p:cNvPicPr>
+            <a:picLocks noChangeAspect="1"/>
+          </p:cNvPicPr>
+          <p:nvPr/>
+        </p:nvPicPr>
+        <p:blipFill>
+          <a:blip r:embed="rId16" cstate="print"/>
+          <a:stretch>
+            <a:fillRect/>
+          </a:stretch>
+        </p:blipFill>
+        <p:spPr>
+          <a:xfrm>
+            <a:off x="6689577" y="6109225"/>
+            <a:ext cx="2820934" cy="520620"/>
+          </a:xfrm>
+          <a:prstGeom prst="rect">
+            <a:avLst/>
+          </a:prstGeom>
+        </p:spPr>
+      </p:pic>
+      <p:pic>
+        <p:nvPicPr>
+          <p:cNvPr id="35" name="Object 34"/>
+          <p:cNvPicPr>
+            <a:picLocks noChangeAspect="1"/>
+          </p:cNvPicPr>
+          <p:nvPr/>
+        </p:nvPicPr>
+        <p:blipFill>
+          <a:blip r:embed="rId17" cstate="print"/>
+          <a:stretch>
+            <a:fillRect/>
+          </a:stretch>
+        </p:blipFill>
+        <p:spPr>
+          <a:xfrm>
+            <a:off x="2574277" y="8070011"/>
+            <a:ext cx="2657855" cy="901562"/>
+          </a:xfrm>
+          <a:prstGeom prst="rect">
+            <a:avLst/>
+          </a:prstGeom>
+        </p:spPr>
+      </p:pic>
+      <p:pic>
+        <p:nvPicPr>
+          <p:cNvPr id="36" name="Object 35"/>
+          <p:cNvPicPr>
+            <a:picLocks noChangeAspect="1"/>
+          </p:cNvPicPr>
+          <p:nvPr/>
+        </p:nvPicPr>
+        <p:blipFill>
+          <a:blip r:embed="rId18" cstate="print"/>
+          <a:stretch>
+            <a:fillRect/>
+          </a:stretch>
+        </p:blipFill>
+        <p:spPr>
+          <a:xfrm>
+            <a:off x="6939277" y="8596728"/>
+            <a:ext cx="2227495" cy="520620"/>
+          </a:xfrm>
+          <a:prstGeom prst="rect">
+            <a:avLst/>
+          </a:prstGeom>
+        </p:spPr>
+      </p:pic>
+      <p:pic>
+        <p:nvPicPr>
+          <p:cNvPr id="37" name="Object 36"/>
+          <p:cNvPicPr>
+            <a:picLocks noChangeAspect="1"/>
+          </p:cNvPicPr>
+          <p:nvPr/>
+        </p:nvPicPr>
+        <p:blipFill>
+          <a:blip r:embed="rId19" cstate="print"/>
+          <a:stretch>
+            <a:fillRect/>
+          </a:stretch>
+        </p:blipFill>
+        <p:spPr>
+          <a:xfrm>
+            <a:off x="9116063" y="8606334"/>
+            <a:ext cx="7543562" cy="520620"/>
+          </a:xfrm>
+          <a:prstGeom prst="rect">
+            <a:avLst/>
+          </a:prstGeom>
+        </p:spPr>
+      </p:pic>
+    </p:spTree>
+  </p:cSld>
+  <p:clrMapOvr>
+    <a:masterClrMapping/>
+  </p:clrMapOvr>
+</p:sld>
+</file>
+
+<file path=ppt/slides/slide18.xml><?xml version="1.0" encoding="utf-8"?>
+<p:sld xmlns:a="http://schemas.openxmlformats.org/drawingml/2006/main" xmlns:r="http://schemas.openxmlformats.org/officeDocument/2006/relationships" xmlns:p="http://schemas.openxmlformats.org/presentationml/2006/main">
+  <p:cSld name="Slide 18">
+    <p:bg>
+      <p:bgPr>
+        <a:solidFill>
+          <a:srgbClr val="F5F5F5"/>
+        </a:solidFill>
+        <a:effectLst/>
+      </p:bgPr>
+    </p:bg>
+    <p:spTree>
+      <p:nvGrpSpPr>
+        <p:cNvPr id="1" name=""/>
+        <p:cNvGrpSpPr/>
+        <p:nvPr/>
+      </p:nvGrpSpPr>
+      <p:grpSpPr>
+        <a:xfrm>
+          <a:off x="0" y="0"/>
+          <a:ext cx="0" cy="0"/>
+          <a:chOff x="0" y="0"/>
+          <a:chExt cx="0" cy="0"/>
+        </a:xfrm>
+      </p:grpSpPr>
+      <p:grpSp>
+        <p:nvGrpSpPr>
+          <p:cNvPr id="1001" name="그룹 1001"/>
+          <p:cNvGrpSpPr/>
+          <p:nvPr/>
+        </p:nvGrpSpPr>
+        <p:grpSpPr>
+          <a:xfrm>
+            <a:off x="-342857" y="1161905"/>
+            <a:ext cx="18971429" cy="106667"/>
+            <a:chOff x="-342857" y="1161905"/>
+            <a:chExt cx="18971429" cy="106667"/>
+          </a:xfrm>
+        </p:grpSpPr>
+        <p:pic>
+          <p:nvPicPr>
+            <p:cNvPr id="3" name="Object 2"/>
+            <p:cNvPicPr>
+              <a:picLocks noChangeAspect="1"/>
+            </p:cNvPicPr>
+            <p:nvPr/>
+          </p:nvPicPr>
+          <p:blipFill>
+            <a:blip r:embed="rId2" cstate="print"/>
+            <a:stretch>
+              <a:fillRect/>
+            </a:stretch>
+          </p:blipFill>
+          <p:spPr>
+            <a:xfrm rot="-10800000">
+              <a:off x="-342857" y="1161905"/>
+              <a:ext cx="18971429" cy="106667"/>
+            </a:xfrm>
+            <a:prstGeom prst="rect">
+              <a:avLst/>
+            </a:prstGeom>
+          </p:spPr>
+        </p:pic>
+      </p:grpSp>
+      <p:pic>
+        <p:nvPicPr>
+          <p:cNvPr id="5" name="Object 4"/>
+          <p:cNvPicPr>
+            <a:picLocks noChangeAspect="1"/>
+          </p:cNvPicPr>
+          <p:nvPr/>
+        </p:nvPicPr>
+        <p:blipFill>
+          <a:blip r:embed="rId3" cstate="print"/>
+          <a:stretch>
+            <a:fillRect/>
+          </a:stretch>
+        </p:blipFill>
+        <p:spPr>
+          <a:xfrm>
+            <a:off x="1972897" y="1954303"/>
+            <a:ext cx="4335132" cy="1443774"/>
+          </a:xfrm>
+          <a:prstGeom prst="rect">
+            <a:avLst/>
+          </a:prstGeom>
+        </p:spPr>
+      </p:pic>
+      <p:pic>
+        <p:nvPicPr>
+          <p:cNvPr id="6" name="Object 5"/>
+          <p:cNvPicPr>
+            <a:picLocks noChangeAspect="1"/>
+          </p:cNvPicPr>
+          <p:nvPr/>
+        </p:nvPicPr>
+        <p:blipFill>
+          <a:blip r:embed="rId4" cstate="print"/>
+          <a:stretch>
+            <a:fillRect/>
+          </a:stretch>
+        </p:blipFill>
+        <p:spPr>
+          <a:xfrm>
+            <a:off x="52338" y="575592"/>
+            <a:ext cx="6907857" cy="577509"/>
+          </a:xfrm>
+          <a:prstGeom prst="rect">
+            <a:avLst/>
+          </a:prstGeom>
+        </p:spPr>
+      </p:pic>
+      <p:grpSp>
+        <p:nvGrpSpPr>
+          <p:cNvPr id="1002" name="그룹 1002"/>
+          <p:cNvGrpSpPr/>
+          <p:nvPr/>
+        </p:nvGrpSpPr>
+        <p:grpSpPr>
+          <a:xfrm>
+            <a:off x="886365" y="2022050"/>
+            <a:ext cx="969082" cy="969082"/>
+            <a:chOff x="886365" y="2022050"/>
+            <a:chExt cx="969082" cy="969082"/>
+          </a:xfrm>
+        </p:grpSpPr>
+        <p:grpSp>
+          <p:nvGrpSpPr>
+            <p:cNvPr id="1003" name="그룹 1003"/>
+            <p:cNvGrpSpPr/>
+            <p:nvPr/>
+          </p:nvGrpSpPr>
+          <p:grpSpPr>
+            <a:xfrm>
+              <a:off x="886365" y="2022050"/>
+              <a:ext cx="969082" cy="969082"/>
+              <a:chOff x="886365" y="2022050"/>
+              <a:chExt cx="969082" cy="969082"/>
+            </a:xfrm>
+          </p:grpSpPr>
+          <p:pic>
+            <p:nvPicPr>
+              <p:cNvPr id="9" name="Object 8"/>
+              <p:cNvPicPr>
+                <a:picLocks noChangeAspect="1"/>
+              </p:cNvPicPr>
+              <p:nvPr/>
+            </p:nvPicPr>
+            <p:blipFill>
+              <a:blip r:embed="rId5" cstate="print"/>
+              <a:stretch>
+                <a:fillRect/>
+              </a:stretch>
+            </p:blipFill>
+            <p:spPr>
+              <a:xfrm>
+                <a:off x="886365" y="2022050"/>
+                <a:ext cx="969082" cy="969082"/>
+              </a:xfrm>
+              <a:prstGeom prst="rect">
+                <a:avLst/>
+              </a:prstGeom>
+            </p:spPr>
+          </p:pic>
+        </p:grpSp>
+        <p:pic>
+          <p:nvPicPr>
+            <p:cNvPr id="11" name="Object 10"/>
+            <p:cNvPicPr>
+              <a:picLocks noChangeAspect="1"/>
+            </p:cNvPicPr>
+            <p:nvPr/>
+          </p:nvPicPr>
+          <p:blipFill>
+            <a:blip r:embed="rId6" cstate="print"/>
+            <a:stretch>
+              <a:fillRect/>
+            </a:stretch>
+          </p:blipFill>
+          <p:spPr>
+            <a:xfrm>
+              <a:off x="880516" y="2164924"/>
+              <a:ext cx="992158" cy="901375"/>
+            </a:xfrm>
+            <a:prstGeom prst="rect">
+              <a:avLst/>
+            </a:prstGeom>
+          </p:spPr>
+        </p:pic>
+      </p:grpSp>
+      <p:grpSp>
+        <p:nvGrpSpPr>
+          <p:cNvPr id="1004" name="그룹 1004"/>
+          <p:cNvGrpSpPr/>
+          <p:nvPr/>
+        </p:nvGrpSpPr>
+        <p:grpSpPr>
+          <a:xfrm>
+            <a:off x="1951486" y="3055228"/>
+            <a:ext cx="12562260" cy="1963361"/>
+            <a:chOff x="1951486" y="3055228"/>
+            <a:chExt cx="12562260" cy="1963361"/>
+          </a:xfrm>
+        </p:grpSpPr>
+        <p:pic>
+          <p:nvPicPr>
+            <p:cNvPr id="14" name="Object 13"/>
+            <p:cNvPicPr>
+              <a:picLocks noChangeAspect="1"/>
+            </p:cNvPicPr>
+            <p:nvPr/>
+          </p:nvPicPr>
+          <p:blipFill>
+            <a:blip r:embed="rId7" cstate="print"/>
+            <a:stretch>
+              <a:fillRect/>
+            </a:stretch>
+          </p:blipFill>
+          <p:spPr>
+            <a:xfrm>
+              <a:off x="-4303485" y="2088650"/>
+              <a:ext cx="25124520" cy="3926722"/>
+            </a:xfrm>
+            <a:prstGeom prst="rect">
+              <a:avLst/>
+            </a:prstGeom>
+          </p:spPr>
+        </p:pic>
+        <p:pic>
+          <p:nvPicPr>
+            <p:cNvPr id="15" name="Object 14"/>
+            <p:cNvPicPr>
+              <a:picLocks noChangeAspect="1"/>
+            </p:cNvPicPr>
+            <p:nvPr/>
+          </p:nvPicPr>
+          <p:blipFill>
+            <a:blip r:embed="rId8" cstate="print"/>
+            <a:stretch>
+              <a:fillRect/>
+            </a:stretch>
+          </p:blipFill>
+          <p:spPr>
+            <a:xfrm>
+              <a:off x="1951486" y="3055228"/>
+              <a:ext cx="12562260" cy="1963361"/>
+            </a:xfrm>
+            <a:prstGeom prst="rect">
+              <a:avLst/>
+            </a:prstGeom>
+          </p:spPr>
+        </p:pic>
+      </p:grpSp>
+      <p:grpSp>
+        <p:nvGrpSpPr>
+          <p:cNvPr id="1005" name="그룹 1005"/>
+          <p:cNvGrpSpPr/>
+          <p:nvPr/>
+        </p:nvGrpSpPr>
+        <p:grpSpPr>
+          <a:xfrm>
+            <a:off x="6337608" y="3417967"/>
+            <a:ext cx="2361008" cy="350476"/>
+            <a:chOff x="6337608" y="3417967"/>
+            <a:chExt cx="2361008" cy="350476"/>
+          </a:xfrm>
+        </p:grpSpPr>
+        <p:pic>
+          <p:nvPicPr>
+            <p:cNvPr id="18" name="Object 17"/>
+            <p:cNvPicPr>
+              <a:picLocks noChangeAspect="1"/>
+            </p:cNvPicPr>
+            <p:nvPr/>
+          </p:nvPicPr>
+          <p:blipFill>
+            <a:blip r:embed="rId9" cstate="print"/>
+            <a:stretch>
+              <a:fillRect/>
+            </a:stretch>
+          </p:blipFill>
+          <p:spPr>
+            <a:xfrm>
+              <a:off x="6337608" y="3417967"/>
+              <a:ext cx="2361008" cy="350476"/>
+            </a:xfrm>
+            <a:prstGeom prst="rect">
+              <a:avLst/>
+            </a:prstGeom>
+          </p:spPr>
+        </p:pic>
+      </p:grpSp>
+      <p:grpSp>
+        <p:nvGrpSpPr>
+          <p:cNvPr id="1006" name="그룹 1006"/>
+          <p:cNvGrpSpPr/>
+          <p:nvPr/>
+        </p:nvGrpSpPr>
+        <p:grpSpPr>
+          <a:xfrm>
+            <a:off x="4221438" y="4269399"/>
+            <a:ext cx="1850288" cy="315958"/>
+            <a:chOff x="4221438" y="4269399"/>
+            <a:chExt cx="1850288" cy="315958"/>
+          </a:xfrm>
+        </p:grpSpPr>
+        <p:pic>
+          <p:nvPicPr>
+            <p:cNvPr id="21" name="Object 20"/>
+            <p:cNvPicPr>
+              <a:picLocks noChangeAspect="1"/>
+            </p:cNvPicPr>
+            <p:nvPr/>
+          </p:nvPicPr>
+          <p:blipFill>
+            <a:blip r:embed="rId10" cstate="print"/>
+            <a:stretch>
+              <a:fillRect/>
+            </a:stretch>
+          </p:blipFill>
+          <p:spPr>
+            <a:xfrm>
+              <a:off x="4221438" y="4269399"/>
+              <a:ext cx="1850288" cy="315958"/>
+            </a:xfrm>
+            <a:prstGeom prst="rect">
+              <a:avLst/>
+            </a:prstGeom>
+          </p:spPr>
+        </p:pic>
+      </p:grpSp>
+      <p:grpSp>
+        <p:nvGrpSpPr>
+          <p:cNvPr id="1007" name="그룹 1007"/>
+          <p:cNvGrpSpPr/>
+          <p:nvPr/>
+        </p:nvGrpSpPr>
+        <p:grpSpPr>
+          <a:xfrm>
+            <a:off x="7320465" y="4259875"/>
+            <a:ext cx="1320528" cy="350476"/>
+            <a:chOff x="7320465" y="4259875"/>
+            <a:chExt cx="1320528" cy="350476"/>
+          </a:xfrm>
+        </p:grpSpPr>
+        <p:pic>
+          <p:nvPicPr>
+            <p:cNvPr id="24" name="Object 23"/>
+            <p:cNvPicPr>
+              <a:picLocks noChangeAspect="1"/>
+            </p:cNvPicPr>
+            <p:nvPr/>
+          </p:nvPicPr>
+          <p:blipFill>
+            <a:blip r:embed="rId11" cstate="print"/>
+            <a:stretch>
+              <a:fillRect/>
+            </a:stretch>
+          </p:blipFill>
+          <p:spPr>
+            <a:xfrm>
+              <a:off x="7320465" y="4259875"/>
+              <a:ext cx="1320528" cy="350476"/>
+            </a:xfrm>
+            <a:prstGeom prst="rect">
+              <a:avLst/>
+            </a:prstGeom>
+          </p:spPr>
+        </p:pic>
+      </p:grpSp>
+      <p:pic>
+        <p:nvPicPr>
+          <p:cNvPr id="26" name="Object 25"/>
+          <p:cNvPicPr>
+            <a:picLocks noChangeAspect="1"/>
+          </p:cNvPicPr>
+          <p:nvPr/>
+        </p:nvPicPr>
+        <p:blipFill>
+          <a:blip r:embed="rId12" cstate="print"/>
+          <a:stretch>
+            <a:fillRect/>
+          </a:stretch>
+        </p:blipFill>
+        <p:spPr>
+          <a:xfrm>
+            <a:off x="2179404" y="3379872"/>
+            <a:ext cx="12184942" cy="520622"/>
+          </a:xfrm>
+          <a:prstGeom prst="rect">
+            <a:avLst/>
+          </a:prstGeom>
+        </p:spPr>
+      </p:pic>
+      <p:pic>
+        <p:nvPicPr>
+          <p:cNvPr id="27" name="Object 26"/>
+          <p:cNvPicPr>
+            <a:picLocks noChangeAspect="1"/>
+          </p:cNvPicPr>
+          <p:nvPr/>
+        </p:nvPicPr>
+        <p:blipFill>
+          <a:blip r:embed="rId13" cstate="print"/>
+          <a:stretch>
+            <a:fillRect/>
+          </a:stretch>
+        </p:blipFill>
+        <p:spPr>
+          <a:xfrm>
+            <a:off x="2669196" y="4231385"/>
+            <a:ext cx="6047794" cy="520622"/>
+          </a:xfrm>
+          <a:prstGeom prst="rect">
+            <a:avLst/>
+          </a:prstGeom>
+        </p:spPr>
+      </p:pic>
+      <p:grpSp>
+        <p:nvGrpSpPr>
+          <p:cNvPr id="1008" name="그룹 1008"/>
+          <p:cNvGrpSpPr/>
+          <p:nvPr/>
+        </p:nvGrpSpPr>
+        <p:grpSpPr>
+          <a:xfrm>
+            <a:off x="5146582" y="3390738"/>
+            <a:ext cx="785920" cy="404934"/>
+            <a:chOff x="5146582" y="3390738"/>
+            <a:chExt cx="785920" cy="404934"/>
+          </a:xfrm>
+        </p:grpSpPr>
+        <p:pic>
+          <p:nvPicPr>
+            <p:cNvPr id="29" name="Object 28"/>
+            <p:cNvPicPr>
+              <a:picLocks noChangeAspect="1"/>
+            </p:cNvPicPr>
+            <p:nvPr/>
+          </p:nvPicPr>
+          <p:blipFill>
+            <a:blip r:embed="rId14" cstate="print"/>
+            <a:stretch>
+              <a:fillRect/>
+            </a:stretch>
+          </p:blipFill>
+          <p:spPr>
+            <a:xfrm>
+              <a:off x="5146582" y="3390738"/>
+              <a:ext cx="785920" cy="404934"/>
+            </a:xfrm>
+            <a:prstGeom prst="rect">
+              <a:avLst/>
+            </a:prstGeom>
+          </p:spPr>
+        </p:pic>
+      </p:grpSp>
+      <p:grpSp>
+        <p:nvGrpSpPr>
+          <p:cNvPr id="1009" name="그룹 1009"/>
+          <p:cNvGrpSpPr/>
+          <p:nvPr/>
+        </p:nvGrpSpPr>
+        <p:grpSpPr>
+          <a:xfrm>
+            <a:off x="2217498" y="5142857"/>
+            <a:ext cx="4976458" cy="4958296"/>
+            <a:chOff x="2217498" y="5142857"/>
+            <a:chExt cx="4976458" cy="4958296"/>
+          </a:xfrm>
+        </p:grpSpPr>
+        <p:pic>
+          <p:nvPicPr>
+            <p:cNvPr id="32" name="Object 31"/>
+            <p:cNvPicPr>
+              <a:picLocks noChangeAspect="1"/>
+            </p:cNvPicPr>
+            <p:nvPr/>
+          </p:nvPicPr>
+          <p:blipFill>
+            <a:blip r:embed="rId15" cstate="print"/>
+            <a:stretch>
+              <a:fillRect/>
+            </a:stretch>
+          </p:blipFill>
+          <p:spPr>
+            <a:xfrm>
+              <a:off x="2217498" y="5142857"/>
+              <a:ext cx="4976458" cy="4958296"/>
+            </a:xfrm>
+            <a:prstGeom prst="rect">
+              <a:avLst/>
+            </a:prstGeom>
+          </p:spPr>
+        </p:pic>
+      </p:grpSp>
+      <p:grpSp>
+        <p:nvGrpSpPr>
+          <p:cNvPr id="1010" name="그룹 1010"/>
+          <p:cNvGrpSpPr/>
+          <p:nvPr/>
+        </p:nvGrpSpPr>
+        <p:grpSpPr>
+          <a:xfrm>
+            <a:off x="7980729" y="5517407"/>
+            <a:ext cx="7245624" cy="3330777"/>
+            <a:chOff x="7980729" y="5517407"/>
+            <a:chExt cx="7245624" cy="3330777"/>
+          </a:xfrm>
+        </p:grpSpPr>
+        <p:pic>
+          <p:nvPicPr>
+            <p:cNvPr id="35" name="Object 34"/>
+            <p:cNvPicPr>
+              <a:picLocks noChangeAspect="1"/>
+            </p:cNvPicPr>
+            <p:nvPr/>
+          </p:nvPicPr>
+          <p:blipFill>
+            <a:blip r:embed="rId16" cstate="print"/>
+            <a:stretch>
+              <a:fillRect/>
+            </a:stretch>
+          </p:blipFill>
+          <p:spPr>
+            <a:xfrm>
+              <a:off x="7980729" y="5517407"/>
+              <a:ext cx="7245624" cy="3330777"/>
+            </a:xfrm>
+            <a:prstGeom prst="rect">
+              <a:avLst/>
+            </a:prstGeom>
+          </p:spPr>
+        </p:pic>
+      </p:grpSp>
+    </p:spTree>
+  </p:cSld>
+  <p:clrMapOvr>
+    <a:masterClrMapping/>
+  </p:clrMapOvr>
+</p:sld>
+</file>
+
+<file path=ppt/slides/slide19.xml><?xml version="1.0" encoding="utf-8"?>
+<p:sld xmlns:a="http://schemas.openxmlformats.org/drawingml/2006/main" xmlns:r="http://schemas.openxmlformats.org/officeDocument/2006/relationships" xmlns:p="http://schemas.openxmlformats.org/presentationml/2006/main">
+  <p:cSld name="Slide 19">
+    <p:bg>
+      <p:bgPr>
+        <a:solidFill>
+          <a:srgbClr val="F5F5F5"/>
+        </a:solidFill>
+        <a:effectLst/>
+      </p:bgPr>
+    </p:bg>
+    <p:spTree>
+      <p:nvGrpSpPr>
+        <p:cNvPr id="1" name=""/>
+        <p:cNvGrpSpPr/>
+        <p:nvPr/>
+      </p:nvGrpSpPr>
+      <p:grpSpPr>
+        <a:xfrm>
+          <a:off x="0" y="0"/>
+          <a:ext cx="0" cy="0"/>
+          <a:chOff x="0" y="0"/>
+          <a:chExt cx="0" cy="0"/>
+        </a:xfrm>
+      </p:grpSpPr>
+      <p:grpSp>
+        <p:nvGrpSpPr>
+          <p:cNvPr id="1001" name="그룹 1001"/>
+          <p:cNvGrpSpPr/>
+          <p:nvPr/>
+        </p:nvGrpSpPr>
+        <p:grpSpPr>
+          <a:xfrm>
+            <a:off x="-342857" y="1161905"/>
+            <a:ext cx="18971429" cy="106667"/>
+            <a:chOff x="-342857" y="1161905"/>
+            <a:chExt cx="18971429" cy="106667"/>
+          </a:xfrm>
+        </p:grpSpPr>
+        <p:pic>
+          <p:nvPicPr>
+            <p:cNvPr id="3" name="Object 2"/>
+            <p:cNvPicPr>
+              <a:picLocks noChangeAspect="1"/>
+            </p:cNvPicPr>
+            <p:nvPr/>
+          </p:nvPicPr>
+          <p:blipFill>
+            <a:blip r:embed="rId2" cstate="print"/>
+            <a:stretch>
+              <a:fillRect/>
+            </a:stretch>
+          </p:blipFill>
+          <p:spPr>
+            <a:xfrm rot="-10800000">
+              <a:off x="-342857" y="1161905"/>
+              <a:ext cx="18971429" cy="106667"/>
+            </a:xfrm>
+            <a:prstGeom prst="rect">
+              <a:avLst/>
+            </a:prstGeom>
+          </p:spPr>
+        </p:pic>
+      </p:grpSp>
+      <p:pic>
+        <p:nvPicPr>
+          <p:cNvPr id="5" name="Object 4"/>
+          <p:cNvPicPr>
+            <a:picLocks noChangeAspect="1"/>
+          </p:cNvPicPr>
+          <p:nvPr/>
+        </p:nvPicPr>
+        <p:blipFill>
+          <a:blip r:embed="rId3" cstate="print"/>
+          <a:stretch>
+            <a:fillRect/>
+          </a:stretch>
+        </p:blipFill>
+        <p:spPr>
+          <a:xfrm>
+            <a:off x="1963294" y="1992713"/>
+            <a:ext cx="6061567" cy="1443774"/>
+          </a:xfrm>
+          <a:prstGeom prst="rect">
+            <a:avLst/>
+          </a:prstGeom>
+        </p:spPr>
+      </p:pic>
+      <p:pic>
+        <p:nvPicPr>
+          <p:cNvPr id="6" name="Object 5"/>
+          <p:cNvPicPr>
+            <a:picLocks noChangeAspect="1"/>
+          </p:cNvPicPr>
+          <p:nvPr/>
+        </p:nvPicPr>
+        <p:blipFill>
+          <a:blip r:embed="rId4" cstate="print"/>
+          <a:stretch>
+            <a:fillRect/>
+          </a:stretch>
+        </p:blipFill>
+        <p:spPr>
+          <a:xfrm>
+            <a:off x="52338" y="575592"/>
+            <a:ext cx="6907857" cy="577509"/>
+          </a:xfrm>
+          <a:prstGeom prst="rect">
+            <a:avLst/>
+          </a:prstGeom>
+        </p:spPr>
+      </p:pic>
+      <p:grpSp>
+        <p:nvGrpSpPr>
+          <p:cNvPr id="1002" name="그룹 1002"/>
+          <p:cNvGrpSpPr/>
+          <p:nvPr/>
+        </p:nvGrpSpPr>
+        <p:grpSpPr>
+          <a:xfrm>
+            <a:off x="886365" y="2022050"/>
+            <a:ext cx="969082" cy="969082"/>
+            <a:chOff x="886365" y="2022050"/>
+            <a:chExt cx="969082" cy="969082"/>
+          </a:xfrm>
+        </p:grpSpPr>
+        <p:grpSp>
+          <p:nvGrpSpPr>
+            <p:cNvPr id="1003" name="그룹 1003"/>
+            <p:cNvGrpSpPr/>
+            <p:nvPr/>
+          </p:nvGrpSpPr>
+          <p:grpSpPr>
+            <a:xfrm>
+              <a:off x="886365" y="2022050"/>
+              <a:ext cx="969082" cy="969082"/>
+              <a:chOff x="886365" y="2022050"/>
+              <a:chExt cx="969082" cy="969082"/>
+            </a:xfrm>
+          </p:grpSpPr>
+          <p:pic>
+            <p:nvPicPr>
+              <p:cNvPr id="9" name="Object 8"/>
+              <p:cNvPicPr>
+                <a:picLocks noChangeAspect="1"/>
+              </p:cNvPicPr>
+              <p:nvPr/>
+            </p:nvPicPr>
+            <p:blipFill>
+              <a:blip r:embed="rId5" cstate="print"/>
+              <a:stretch>
+                <a:fillRect/>
+              </a:stretch>
+            </p:blipFill>
+            <p:spPr>
+              <a:xfrm>
+                <a:off x="886365" y="2022050"/>
+                <a:ext cx="969082" cy="969082"/>
+              </a:xfrm>
+              <a:prstGeom prst="rect">
+                <a:avLst/>
+              </a:prstGeom>
+            </p:spPr>
+          </p:pic>
+        </p:grpSp>
+        <p:pic>
+          <p:nvPicPr>
+            <p:cNvPr id="11" name="Object 10"/>
+            <p:cNvPicPr>
+              <a:picLocks noChangeAspect="1"/>
+            </p:cNvPicPr>
+            <p:nvPr/>
+          </p:nvPicPr>
+          <p:blipFill>
+            <a:blip r:embed="rId6" cstate="print"/>
+            <a:stretch>
+              <a:fillRect/>
+            </a:stretch>
+          </p:blipFill>
+          <p:spPr>
+            <a:xfrm>
+              <a:off x="880516" y="2164927"/>
+              <a:ext cx="988015" cy="901375"/>
+            </a:xfrm>
+            <a:prstGeom prst="rect">
+              <a:avLst/>
+            </a:prstGeom>
+          </p:spPr>
+        </p:pic>
+      </p:grpSp>
+      <p:pic>
+        <p:nvPicPr>
+          <p:cNvPr id="13" name="Object 12"/>
+          <p:cNvPicPr>
+            <a:picLocks noChangeAspect="1"/>
+          </p:cNvPicPr>
+          <p:nvPr/>
+        </p:nvPicPr>
+        <p:blipFill>
+          <a:blip r:embed="rId7" cstate="print"/>
+          <a:stretch>
+            <a:fillRect/>
+          </a:stretch>
+        </p:blipFill>
+        <p:spPr>
+          <a:xfrm>
+            <a:off x="2474886" y="3314848"/>
+            <a:ext cx="7563790" cy="520622"/>
+          </a:xfrm>
+          <a:prstGeom prst="rect">
+            <a:avLst/>
+          </a:prstGeom>
+        </p:spPr>
+      </p:pic>
+      <p:grpSp>
+        <p:nvGrpSpPr>
+          <p:cNvPr id="1004" name="그룹 1004"/>
+          <p:cNvGrpSpPr/>
+          <p:nvPr/>
+        </p:nvGrpSpPr>
+        <p:grpSpPr>
+          <a:xfrm>
+            <a:off x="5239316" y="2875946"/>
+            <a:ext cx="2448980" cy="206815"/>
+            <a:chOff x="5239316" y="2875946"/>
+            <a:chExt cx="2448980" cy="206815"/>
+          </a:xfrm>
+        </p:grpSpPr>
+        <p:pic>
+          <p:nvPicPr>
+            <p:cNvPr id="15" name="Object 14"/>
+            <p:cNvPicPr>
+              <a:picLocks noChangeAspect="1"/>
+            </p:cNvPicPr>
+            <p:nvPr/>
+          </p:nvPicPr>
+          <p:blipFill>
+            <a:blip r:embed="rId8" cstate="print"/>
+            <a:stretch>
+              <a:fillRect/>
+            </a:stretch>
+          </p:blipFill>
+          <p:spPr>
+            <a:xfrm>
+              <a:off x="5239316" y="2875946"/>
+              <a:ext cx="2448980" cy="206815"/>
+            </a:xfrm>
+            <a:prstGeom prst="rect">
+              <a:avLst/>
+            </a:prstGeom>
+          </p:spPr>
+        </p:pic>
+      </p:grpSp>
+      <p:grpSp>
+        <p:nvGrpSpPr>
+          <p:cNvPr id="1005" name="그룹 1005"/>
+          <p:cNvGrpSpPr/>
+          <p:nvPr/>
+        </p:nvGrpSpPr>
+        <p:grpSpPr>
+          <a:xfrm>
+            <a:off x="2172477" y="3348563"/>
+            <a:ext cx="236000" cy="363890"/>
+            <a:chOff x="2172477" y="3348563"/>
+            <a:chExt cx="236000" cy="363890"/>
+          </a:xfrm>
+        </p:grpSpPr>
+        <p:pic>
+          <p:nvPicPr>
+            <p:cNvPr id="18" name="Object 17"/>
+            <p:cNvPicPr>
+              <a:picLocks noChangeAspect="1"/>
+            </p:cNvPicPr>
+            <p:nvPr/>
+          </p:nvPicPr>
+          <p:blipFill>
+            <a:blip r:embed="rId9" cstate="print"/>
+            <a:stretch>
+              <a:fillRect/>
+            </a:stretch>
+          </p:blipFill>
+          <p:spPr>
+            <a:xfrm rot="4080000">
+              <a:off x="2172477" y="3348563"/>
+              <a:ext cx="236000" cy="363890"/>
+            </a:xfrm>
+            <a:prstGeom prst="rect">
+              <a:avLst/>
+            </a:prstGeom>
+          </p:spPr>
+        </p:pic>
+      </p:grpSp>
+      <p:grpSp>
+        <p:nvGrpSpPr>
+          <p:cNvPr id="1006" name="그룹 1006"/>
+          <p:cNvGrpSpPr/>
+          <p:nvPr/>
+        </p:nvGrpSpPr>
+        <p:grpSpPr>
+          <a:xfrm>
+            <a:off x="6477613" y="4455284"/>
+            <a:ext cx="5053179" cy="3348970"/>
+            <a:chOff x="6477613" y="4455284"/>
+            <a:chExt cx="5053179" cy="3348970"/>
+          </a:xfrm>
+        </p:grpSpPr>
+        <p:pic>
+          <p:nvPicPr>
+            <p:cNvPr id="21" name="Object 20"/>
+            <p:cNvPicPr>
+              <a:picLocks noChangeAspect="1"/>
+            </p:cNvPicPr>
+            <p:nvPr/>
+          </p:nvPicPr>
+          <p:blipFill>
+            <a:blip r:embed="rId10" cstate="print"/>
+            <a:stretch>
+              <a:fillRect/>
+            </a:stretch>
+          </p:blipFill>
+          <p:spPr>
+            <a:xfrm>
+              <a:off x="6477613" y="4455284"/>
+              <a:ext cx="5053179" cy="3348970"/>
+            </a:xfrm>
+            <a:prstGeom prst="rect">
+              <a:avLst/>
+            </a:prstGeom>
+          </p:spPr>
+        </p:pic>
+      </p:grpSp>
+      <p:grpSp>
+        <p:nvGrpSpPr>
+          <p:cNvPr id="1007" name="그룹 1007"/>
+          <p:cNvGrpSpPr/>
+          <p:nvPr/>
+        </p:nvGrpSpPr>
+        <p:grpSpPr>
+          <a:xfrm>
+            <a:off x="7071376" y="5800611"/>
+            <a:ext cx="1444345" cy="744178"/>
+            <a:chOff x="7071376" y="5800611"/>
+            <a:chExt cx="1444345" cy="744178"/>
+          </a:xfrm>
+        </p:grpSpPr>
+        <p:pic>
+          <p:nvPicPr>
+            <p:cNvPr id="24" name="Object 23"/>
+            <p:cNvPicPr>
+              <a:picLocks noChangeAspect="1"/>
+            </p:cNvPicPr>
+            <p:nvPr/>
+          </p:nvPicPr>
+          <p:blipFill>
+            <a:blip r:embed="rId11" cstate="print"/>
+            <a:stretch>
+              <a:fillRect/>
+            </a:stretch>
+          </p:blipFill>
+          <p:spPr>
+            <a:xfrm>
+              <a:off x="7071376" y="5800611"/>
+              <a:ext cx="1444345" cy="744178"/>
+            </a:xfrm>
+            <a:prstGeom prst="rect">
+              <a:avLst/>
+            </a:prstGeom>
+          </p:spPr>
+        </p:pic>
+      </p:grpSp>
+      <p:pic>
+        <p:nvPicPr>
+          <p:cNvPr id="26" name="Object 25"/>
+          <p:cNvPicPr>
+            <a:picLocks noChangeAspect="1"/>
+          </p:cNvPicPr>
+          <p:nvPr/>
+        </p:nvPicPr>
+        <p:blipFill>
+          <a:blip r:embed="rId12" cstate="print"/>
+          <a:stretch>
+            <a:fillRect/>
+          </a:stretch>
+        </p:blipFill>
+        <p:spPr>
+          <a:xfrm>
+            <a:off x="4932492" y="8681276"/>
+            <a:ext cx="8172473" cy="520620"/>
           </a:xfrm>
           <a:prstGeom prst="rect">
             <a:avLst/>
@@ -4467,6 +8715,1038 @@
           </p:spPr>
         </p:pic>
       </p:grpSp>
+    </p:spTree>
+  </p:cSld>
+  <p:clrMapOvr>
+    <a:masterClrMapping/>
+  </p:clrMapOvr>
+</p:sld>
+</file>
+
+<file path=ppt/slides/slide20.xml><?xml version="1.0" encoding="utf-8"?>
+<p:sld xmlns:a="http://schemas.openxmlformats.org/drawingml/2006/main" xmlns:r="http://schemas.openxmlformats.org/officeDocument/2006/relationships" xmlns:p="http://schemas.openxmlformats.org/presentationml/2006/main">
+  <p:cSld name="Slide 20">
+    <p:bg>
+      <p:bgPr>
+        <a:solidFill>
+          <a:srgbClr val="F5F5F5"/>
+        </a:solidFill>
+        <a:effectLst/>
+      </p:bgPr>
+    </p:bg>
+    <p:spTree>
+      <p:nvGrpSpPr>
+        <p:cNvPr id="1" name=""/>
+        <p:cNvGrpSpPr/>
+        <p:nvPr/>
+      </p:nvGrpSpPr>
+      <p:grpSpPr>
+        <a:xfrm>
+          <a:off x="0" y="0"/>
+          <a:ext cx="0" cy="0"/>
+          <a:chOff x="0" y="0"/>
+          <a:chExt cx="0" cy="0"/>
+        </a:xfrm>
+      </p:grpSpPr>
+      <p:grpSp>
+        <p:nvGrpSpPr>
+          <p:cNvPr id="1001" name="그룹 1001"/>
+          <p:cNvGrpSpPr/>
+          <p:nvPr/>
+        </p:nvGrpSpPr>
+        <p:grpSpPr>
+          <a:xfrm>
+            <a:off x="-342857" y="1161905"/>
+            <a:ext cx="18971429" cy="106667"/>
+            <a:chOff x="-342857" y="1161905"/>
+            <a:chExt cx="18971429" cy="106667"/>
+          </a:xfrm>
+        </p:grpSpPr>
+        <p:pic>
+          <p:nvPicPr>
+            <p:cNvPr id="3" name="Object 2"/>
+            <p:cNvPicPr>
+              <a:picLocks noChangeAspect="1"/>
+            </p:cNvPicPr>
+            <p:nvPr/>
+          </p:nvPicPr>
+          <p:blipFill>
+            <a:blip r:embed="rId2" cstate="print"/>
+            <a:stretch>
+              <a:fillRect/>
+            </a:stretch>
+          </p:blipFill>
+          <p:spPr>
+            <a:xfrm rot="-10800000">
+              <a:off x="-342857" y="1161905"/>
+              <a:ext cx="18971429" cy="106667"/>
+            </a:xfrm>
+            <a:prstGeom prst="rect">
+              <a:avLst/>
+            </a:prstGeom>
+          </p:spPr>
+        </p:pic>
+      </p:grpSp>
+      <p:pic>
+        <p:nvPicPr>
+          <p:cNvPr id="5" name="Object 4"/>
+          <p:cNvPicPr>
+            <a:picLocks noChangeAspect="1"/>
+          </p:cNvPicPr>
+          <p:nvPr/>
+        </p:nvPicPr>
+        <p:blipFill>
+          <a:blip r:embed="rId3" cstate="print"/>
+          <a:stretch>
+            <a:fillRect/>
+          </a:stretch>
+        </p:blipFill>
+        <p:spPr>
+          <a:xfrm>
+            <a:off x="2059336" y="1907765"/>
+            <a:ext cx="7480199" cy="1443774"/>
+          </a:xfrm>
+          <a:prstGeom prst="rect">
+            <a:avLst/>
+          </a:prstGeom>
+        </p:spPr>
+      </p:pic>
+      <p:pic>
+        <p:nvPicPr>
+          <p:cNvPr id="6" name="Object 5"/>
+          <p:cNvPicPr>
+            <a:picLocks noChangeAspect="1"/>
+          </p:cNvPicPr>
+          <p:nvPr/>
+        </p:nvPicPr>
+        <p:blipFill>
+          <a:blip r:embed="rId4" cstate="print"/>
+          <a:stretch>
+            <a:fillRect/>
+          </a:stretch>
+        </p:blipFill>
+        <p:spPr>
+          <a:xfrm>
+            <a:off x="52338" y="575592"/>
+            <a:ext cx="6907857" cy="577509"/>
+          </a:xfrm>
+          <a:prstGeom prst="rect">
+            <a:avLst/>
+          </a:prstGeom>
+        </p:spPr>
+      </p:pic>
+      <p:grpSp>
+        <p:nvGrpSpPr>
+          <p:cNvPr id="1002" name="그룹 1002"/>
+          <p:cNvGrpSpPr/>
+          <p:nvPr/>
+        </p:nvGrpSpPr>
+        <p:grpSpPr>
+          <a:xfrm>
+            <a:off x="886365" y="2022050"/>
+            <a:ext cx="969082" cy="969082"/>
+            <a:chOff x="886365" y="2022050"/>
+            <a:chExt cx="969082" cy="969082"/>
+          </a:xfrm>
+        </p:grpSpPr>
+        <p:grpSp>
+          <p:nvGrpSpPr>
+            <p:cNvPr id="1003" name="그룹 1003"/>
+            <p:cNvGrpSpPr/>
+            <p:nvPr/>
+          </p:nvGrpSpPr>
+          <p:grpSpPr>
+            <a:xfrm>
+              <a:off x="886365" y="2022050"/>
+              <a:ext cx="969082" cy="969082"/>
+              <a:chOff x="886365" y="2022050"/>
+              <a:chExt cx="969082" cy="969082"/>
+            </a:xfrm>
+          </p:grpSpPr>
+          <p:pic>
+            <p:nvPicPr>
+              <p:cNvPr id="9" name="Object 8"/>
+              <p:cNvPicPr>
+                <a:picLocks noChangeAspect="1"/>
+              </p:cNvPicPr>
+              <p:nvPr/>
+            </p:nvPicPr>
+            <p:blipFill>
+              <a:blip r:embed="rId5" cstate="print"/>
+              <a:stretch>
+                <a:fillRect/>
+              </a:stretch>
+            </p:blipFill>
+            <p:spPr>
+              <a:xfrm>
+                <a:off x="886365" y="2022050"/>
+                <a:ext cx="969082" cy="969082"/>
+              </a:xfrm>
+              <a:prstGeom prst="rect">
+                <a:avLst/>
+              </a:prstGeom>
+            </p:spPr>
+          </p:pic>
+        </p:grpSp>
+        <p:pic>
+          <p:nvPicPr>
+            <p:cNvPr id="11" name="Object 10"/>
+            <p:cNvPicPr>
+              <a:picLocks noChangeAspect="1"/>
+            </p:cNvPicPr>
+            <p:nvPr/>
+          </p:nvPicPr>
+          <p:blipFill>
+            <a:blip r:embed="rId6" cstate="print"/>
+            <a:stretch>
+              <a:fillRect/>
+            </a:stretch>
+          </p:blipFill>
+          <p:spPr>
+            <a:xfrm>
+              <a:off x="880516" y="2164927"/>
+              <a:ext cx="988015" cy="901375"/>
+            </a:xfrm>
+            <a:prstGeom prst="rect">
+              <a:avLst/>
+            </a:prstGeom>
+          </p:spPr>
+        </p:pic>
+      </p:grpSp>
+      <p:pic>
+        <p:nvPicPr>
+          <p:cNvPr id="13" name="Object 12"/>
+          <p:cNvPicPr>
+            <a:picLocks noChangeAspect="1"/>
+          </p:cNvPicPr>
+          <p:nvPr/>
+        </p:nvPicPr>
+        <p:blipFill>
+          <a:blip r:embed="rId7" cstate="print"/>
+          <a:stretch>
+            <a:fillRect/>
+          </a:stretch>
+        </p:blipFill>
+        <p:spPr>
+          <a:xfrm>
+            <a:off x="2647041" y="3026815"/>
+            <a:ext cx="11456752" cy="520622"/>
+          </a:xfrm>
+          <a:prstGeom prst="rect">
+            <a:avLst/>
+          </a:prstGeom>
+        </p:spPr>
+      </p:pic>
+      <p:grpSp>
+        <p:nvGrpSpPr>
+          <p:cNvPr id="1004" name="그룹 1004"/>
+          <p:cNvGrpSpPr/>
+          <p:nvPr/>
+        </p:nvGrpSpPr>
+        <p:grpSpPr>
+          <a:xfrm>
+            <a:off x="2268521" y="3057404"/>
+            <a:ext cx="236000" cy="363890"/>
+            <a:chOff x="2268521" y="3057404"/>
+            <a:chExt cx="236000" cy="363890"/>
+          </a:xfrm>
+        </p:grpSpPr>
+        <p:pic>
+          <p:nvPicPr>
+            <p:cNvPr id="15" name="Object 14"/>
+            <p:cNvPicPr>
+              <a:picLocks noChangeAspect="1"/>
+            </p:cNvPicPr>
+            <p:nvPr/>
+          </p:nvPicPr>
+          <p:blipFill>
+            <a:blip r:embed="rId8" cstate="print"/>
+            <a:stretch>
+              <a:fillRect/>
+            </a:stretch>
+          </p:blipFill>
+          <p:spPr>
+            <a:xfrm rot="4080000">
+              <a:off x="2268521" y="3057404"/>
+              <a:ext cx="236000" cy="363890"/>
+            </a:xfrm>
+            <a:prstGeom prst="rect">
+              <a:avLst/>
+            </a:prstGeom>
+          </p:spPr>
+        </p:pic>
+      </p:grpSp>
+      <p:grpSp>
+        <p:nvGrpSpPr>
+          <p:cNvPr id="1005" name="그룹 1005"/>
+          <p:cNvGrpSpPr/>
+          <p:nvPr/>
+        </p:nvGrpSpPr>
+        <p:grpSpPr>
+          <a:xfrm>
+            <a:off x="912837" y="4085645"/>
+            <a:ext cx="14837592" cy="5489385"/>
+            <a:chOff x="912837" y="4085645"/>
+            <a:chExt cx="14837592" cy="5489385"/>
+          </a:xfrm>
+        </p:grpSpPr>
+        <p:pic>
+          <p:nvPicPr>
+            <p:cNvPr id="18" name="Object 17"/>
+            <p:cNvPicPr>
+              <a:picLocks noChangeAspect="1"/>
+            </p:cNvPicPr>
+            <p:nvPr/>
+          </p:nvPicPr>
+          <p:blipFill>
+            <a:blip r:embed="rId9" cstate="print"/>
+            <a:stretch>
+              <a:fillRect/>
+            </a:stretch>
+          </p:blipFill>
+          <p:spPr>
+            <a:xfrm>
+              <a:off x="-6432822" y="1383178"/>
+              <a:ext cx="29675185" cy="10978771"/>
+            </a:xfrm>
+            <a:prstGeom prst="rect">
+              <a:avLst/>
+            </a:prstGeom>
+          </p:spPr>
+        </p:pic>
+        <p:pic>
+          <p:nvPicPr>
+            <p:cNvPr id="19" name="Object 18"/>
+            <p:cNvPicPr>
+              <a:picLocks noChangeAspect="1"/>
+            </p:cNvPicPr>
+            <p:nvPr/>
+          </p:nvPicPr>
+          <p:blipFill>
+            <a:blip r:embed="rId10" cstate="print"/>
+            <a:stretch>
+              <a:fillRect/>
+            </a:stretch>
+          </p:blipFill>
+          <p:spPr>
+            <a:xfrm>
+              <a:off x="912837" y="4085645"/>
+              <a:ext cx="14837592" cy="5489385"/>
+            </a:xfrm>
+            <a:prstGeom prst="rect">
+              <a:avLst/>
+            </a:prstGeom>
+          </p:spPr>
+        </p:pic>
+      </p:grpSp>
+      <p:grpSp>
+        <p:nvGrpSpPr>
+          <p:cNvPr id="1006" name="그룹 1006"/>
+          <p:cNvGrpSpPr/>
+          <p:nvPr/>
+        </p:nvGrpSpPr>
+        <p:grpSpPr>
+          <a:xfrm>
+            <a:off x="1025992" y="3830645"/>
+            <a:ext cx="4564482" cy="475881"/>
+            <a:chOff x="1025992" y="3830645"/>
+            <a:chExt cx="4564482" cy="475881"/>
+          </a:xfrm>
+        </p:grpSpPr>
+        <p:pic>
+          <p:nvPicPr>
+            <p:cNvPr id="22" name="Object 21"/>
+            <p:cNvPicPr>
+              <a:picLocks noChangeAspect="1"/>
+            </p:cNvPicPr>
+            <p:nvPr/>
+          </p:nvPicPr>
+          <p:blipFill>
+            <a:blip r:embed="rId11" cstate="print"/>
+            <a:stretch>
+              <a:fillRect/>
+            </a:stretch>
+          </p:blipFill>
+          <p:spPr>
+            <a:xfrm>
+              <a:off x="1025992" y="3830645"/>
+              <a:ext cx="4564482" cy="475881"/>
+            </a:xfrm>
+            <a:prstGeom prst="rect">
+              <a:avLst/>
+            </a:prstGeom>
+          </p:spPr>
+        </p:pic>
+      </p:grpSp>
+      <p:grpSp>
+        <p:nvGrpSpPr>
+          <p:cNvPr id="1007" name="그룹 1007"/>
+          <p:cNvGrpSpPr/>
+          <p:nvPr/>
+        </p:nvGrpSpPr>
+        <p:grpSpPr>
+          <a:xfrm>
+            <a:off x="886365" y="3771728"/>
+            <a:ext cx="611046" cy="506557"/>
+            <a:chOff x="886365" y="3771728"/>
+            <a:chExt cx="611046" cy="506557"/>
+          </a:xfrm>
+        </p:grpSpPr>
+        <p:pic>
+          <p:nvPicPr>
+            <p:cNvPr id="25" name="Object 24"/>
+            <p:cNvPicPr>
+              <a:picLocks noChangeAspect="1"/>
+            </p:cNvPicPr>
+            <p:nvPr/>
+          </p:nvPicPr>
+          <p:blipFill>
+            <a:blip r:embed="rId12" cstate="print"/>
+            <a:stretch>
+              <a:fillRect/>
+            </a:stretch>
+          </p:blipFill>
+          <p:spPr>
+            <a:xfrm>
+              <a:off x="886365" y="3771728"/>
+              <a:ext cx="611046" cy="506557"/>
+            </a:xfrm>
+            <a:prstGeom prst="rect">
+              <a:avLst/>
+            </a:prstGeom>
+          </p:spPr>
+        </p:pic>
+      </p:grpSp>
+      <p:pic>
+        <p:nvPicPr>
+          <p:cNvPr id="27" name="Object 26"/>
+          <p:cNvPicPr>
+            <a:picLocks noChangeAspect="1"/>
+          </p:cNvPicPr>
+          <p:nvPr/>
+        </p:nvPicPr>
+        <p:blipFill>
+          <a:blip r:embed="rId13" cstate="print"/>
+          <a:stretch>
+            <a:fillRect/>
+          </a:stretch>
+        </p:blipFill>
+        <p:spPr>
+          <a:xfrm>
+            <a:off x="1457268" y="3857963"/>
+            <a:ext cx="4091066" cy="541908"/>
+          </a:xfrm>
+          <a:prstGeom prst="rect">
+            <a:avLst/>
+          </a:prstGeom>
+        </p:spPr>
+      </p:pic>
+      <p:pic>
+        <p:nvPicPr>
+          <p:cNvPr id="28" name="Object 27"/>
+          <p:cNvPicPr>
+            <a:picLocks noChangeAspect="1"/>
+          </p:cNvPicPr>
+          <p:nvPr/>
+        </p:nvPicPr>
+        <p:blipFill>
+          <a:blip r:embed="rId14" cstate="print"/>
+          <a:stretch>
+            <a:fillRect/>
+          </a:stretch>
+        </p:blipFill>
+        <p:spPr>
+          <a:xfrm>
+            <a:off x="1923161" y="9167961"/>
+            <a:ext cx="6074417" cy="312373"/>
+          </a:xfrm>
+          <a:prstGeom prst="rect">
+            <a:avLst/>
+          </a:prstGeom>
+        </p:spPr>
+      </p:pic>
+      <p:pic>
+        <p:nvPicPr>
+          <p:cNvPr id="29" name="Object 28"/>
+          <p:cNvPicPr>
+            <a:picLocks noChangeAspect="1"/>
+          </p:cNvPicPr>
+          <p:nvPr/>
+        </p:nvPicPr>
+        <p:blipFill>
+          <a:blip r:embed="rId15" cstate="print"/>
+          <a:stretch>
+            <a:fillRect/>
+          </a:stretch>
+        </p:blipFill>
+        <p:spPr>
+          <a:xfrm>
+            <a:off x="1397556" y="9167961"/>
+            <a:ext cx="421140" cy="312373"/>
+          </a:xfrm>
+          <a:prstGeom prst="rect">
+            <a:avLst/>
+          </a:prstGeom>
+        </p:spPr>
+      </p:pic>
+      <p:pic>
+        <p:nvPicPr>
+          <p:cNvPr id="30" name="Object 29"/>
+          <p:cNvPicPr>
+            <a:picLocks noChangeAspect="1"/>
+          </p:cNvPicPr>
+          <p:nvPr/>
+        </p:nvPicPr>
+        <p:blipFill>
+          <a:blip r:embed="rId16" cstate="print"/>
+          <a:stretch>
+            <a:fillRect/>
+          </a:stretch>
+        </p:blipFill>
+        <p:spPr>
+          <a:xfrm>
+            <a:off x="1647858" y="4669287"/>
+            <a:ext cx="4891459" cy="520622"/>
+          </a:xfrm>
+          <a:prstGeom prst="rect">
+            <a:avLst/>
+          </a:prstGeom>
+        </p:spPr>
+      </p:pic>
+      <p:pic>
+        <p:nvPicPr>
+          <p:cNvPr id="31" name="Object 30"/>
+          <p:cNvPicPr>
+            <a:picLocks noChangeAspect="1"/>
+          </p:cNvPicPr>
+          <p:nvPr/>
+        </p:nvPicPr>
+        <p:blipFill>
+          <a:blip r:embed="rId17" cstate="print"/>
+          <a:stretch>
+            <a:fillRect/>
+          </a:stretch>
+        </p:blipFill>
+        <p:spPr>
+          <a:xfrm>
+            <a:off x="1628965" y="5143010"/>
+            <a:ext cx="13160461" cy="520622"/>
+          </a:xfrm>
+          <a:prstGeom prst="rect">
+            <a:avLst/>
+          </a:prstGeom>
+        </p:spPr>
+      </p:pic>
+      <p:pic>
+        <p:nvPicPr>
+          <p:cNvPr id="32" name="Object 31"/>
+          <p:cNvPicPr>
+            <a:picLocks noChangeAspect="1"/>
+          </p:cNvPicPr>
+          <p:nvPr/>
+        </p:nvPicPr>
+        <p:blipFill>
+          <a:blip r:embed="rId18" cstate="print"/>
+          <a:stretch>
+            <a:fillRect/>
+          </a:stretch>
+        </p:blipFill>
+        <p:spPr>
+          <a:xfrm>
+            <a:off x="1620096" y="5607458"/>
+            <a:ext cx="13406312" cy="901565"/>
+          </a:xfrm>
+          <a:prstGeom prst="rect">
+            <a:avLst/>
+          </a:prstGeom>
+        </p:spPr>
+      </p:pic>
+      <p:pic>
+        <p:nvPicPr>
+          <p:cNvPr id="33" name="Object 32"/>
+          <p:cNvPicPr>
+            <a:picLocks noChangeAspect="1"/>
+          </p:cNvPicPr>
+          <p:nvPr/>
+        </p:nvPicPr>
+        <p:blipFill>
+          <a:blip r:embed="rId19" cstate="print"/>
+          <a:stretch>
+            <a:fillRect/>
+          </a:stretch>
+        </p:blipFill>
+        <p:spPr>
+          <a:xfrm>
+            <a:off x="1615229" y="6507229"/>
+            <a:ext cx="13288067" cy="901565"/>
+          </a:xfrm>
+          <a:prstGeom prst="rect">
+            <a:avLst/>
+          </a:prstGeom>
+        </p:spPr>
+      </p:pic>
+    </p:spTree>
+  </p:cSld>
+  <p:clrMapOvr>
+    <a:masterClrMapping/>
+  </p:clrMapOvr>
+</p:sld>
+</file>
+
+<file path=ppt/slides/slide21.xml><?xml version="1.0" encoding="utf-8"?>
+<p:sld xmlns:a="http://schemas.openxmlformats.org/drawingml/2006/main" xmlns:r="http://schemas.openxmlformats.org/officeDocument/2006/relationships" xmlns:p="http://schemas.openxmlformats.org/presentationml/2006/main">
+  <p:cSld name="Slide 21">
+    <p:bg>
+      <p:bgPr>
+        <a:solidFill>
+          <a:srgbClr val="F5F5F5"/>
+        </a:solidFill>
+        <a:effectLst/>
+      </p:bgPr>
+    </p:bg>
+    <p:spTree>
+      <p:nvGrpSpPr>
+        <p:cNvPr id="1" name=""/>
+        <p:cNvGrpSpPr/>
+        <p:nvPr/>
+      </p:nvGrpSpPr>
+      <p:grpSpPr>
+        <a:xfrm>
+          <a:off x="0" y="0"/>
+          <a:ext cx="0" cy="0"/>
+          <a:chOff x="0" y="0"/>
+          <a:chExt cx="0" cy="0"/>
+        </a:xfrm>
+      </p:grpSpPr>
+      <p:pic>
+        <p:nvPicPr>
+          <p:cNvPr id="2" name="Object 1"/>
+          <p:cNvPicPr>
+            <a:picLocks noChangeAspect="1"/>
+          </p:cNvPicPr>
+          <p:nvPr/>
+        </p:nvPicPr>
+        <p:blipFill>
+          <a:blip r:embed="rId2" cstate="print"/>
+          <a:stretch>
+            <a:fillRect/>
+          </a:stretch>
+        </p:blipFill>
+        <p:spPr>
+          <a:xfrm>
+            <a:off x="5507893" y="4625433"/>
+            <a:ext cx="4231600" cy="709696"/>
+          </a:xfrm>
+          <a:prstGeom prst="rect">
+            <a:avLst/>
+          </a:prstGeom>
+        </p:spPr>
+      </p:pic>
+      <p:pic>
+        <p:nvPicPr>
+          <p:cNvPr id="3" name="Object 2"/>
+          <p:cNvPicPr>
+            <a:picLocks noChangeAspect="1"/>
+          </p:cNvPicPr>
+          <p:nvPr/>
+        </p:nvPicPr>
+        <p:blipFill>
+          <a:blip r:embed="rId3" cstate="print"/>
+          <a:stretch>
+            <a:fillRect/>
+          </a:stretch>
+        </p:blipFill>
+        <p:spPr>
+          <a:xfrm>
+            <a:off x="4083373" y="1523536"/>
+            <a:ext cx="6833249" cy="2406291"/>
+          </a:xfrm>
+          <a:prstGeom prst="rect">
+            <a:avLst/>
+          </a:prstGeom>
+        </p:spPr>
+      </p:pic>
+      <p:grpSp>
+        <p:nvGrpSpPr>
+          <p:cNvPr id="1001" name="그룹 1001"/>
+          <p:cNvGrpSpPr/>
+          <p:nvPr/>
+        </p:nvGrpSpPr>
+        <p:grpSpPr>
+          <a:xfrm>
+            <a:off x="-152381" y="1161905"/>
+            <a:ext cx="18590476" cy="106667"/>
+            <a:chOff x="-152381" y="1161905"/>
+            <a:chExt cx="18590476" cy="106667"/>
+          </a:xfrm>
+        </p:grpSpPr>
+        <p:pic>
+          <p:nvPicPr>
+            <p:cNvPr id="5" name="Object 4"/>
+            <p:cNvPicPr>
+              <a:picLocks noChangeAspect="1"/>
+            </p:cNvPicPr>
+            <p:nvPr/>
+          </p:nvPicPr>
+          <p:blipFill>
+            <a:blip r:embed="rId4" cstate="print"/>
+            <a:stretch>
+              <a:fillRect/>
+            </a:stretch>
+          </p:blipFill>
+          <p:spPr>
+            <a:xfrm rot="-10800000">
+              <a:off x="-152381" y="1161905"/>
+              <a:ext cx="18590476" cy="106667"/>
+            </a:xfrm>
+            <a:prstGeom prst="rect">
+              <a:avLst/>
+            </a:prstGeom>
+          </p:spPr>
+        </p:pic>
+      </p:grpSp>
+      <p:pic>
+        <p:nvPicPr>
+          <p:cNvPr id="7" name="Object 6"/>
+          <p:cNvPicPr>
+            <a:picLocks noChangeAspect="1"/>
+          </p:cNvPicPr>
+          <p:nvPr/>
+        </p:nvPicPr>
+        <p:blipFill>
+          <a:blip r:embed="rId5" cstate="print"/>
+          <a:stretch>
+            <a:fillRect/>
+          </a:stretch>
+        </p:blipFill>
+        <p:spPr>
+          <a:xfrm>
+            <a:off x="52338" y="575592"/>
+            <a:ext cx="6907857" cy="577509"/>
+          </a:xfrm>
+          <a:prstGeom prst="rect">
+            <a:avLst/>
+          </a:prstGeom>
+        </p:spPr>
+      </p:pic>
+    </p:spTree>
+  </p:cSld>
+  <p:clrMapOvr>
+    <a:masterClrMapping/>
+  </p:clrMapOvr>
+</p:sld>
+</file>
+
+<file path=ppt/slides/slide22.xml><?xml version="1.0" encoding="utf-8"?>
+<p:sld xmlns:a="http://schemas.openxmlformats.org/drawingml/2006/main" xmlns:r="http://schemas.openxmlformats.org/officeDocument/2006/relationships" xmlns:p="http://schemas.openxmlformats.org/presentationml/2006/main">
+  <p:cSld name="Slide 22">
+    <p:bg>
+      <p:bgPr>
+        <a:solidFill>
+          <a:srgbClr val="F5F5F5"/>
+        </a:solidFill>
+        <a:effectLst/>
+      </p:bgPr>
+    </p:bg>
+    <p:spTree>
+      <p:nvGrpSpPr>
+        <p:cNvPr id="1" name=""/>
+        <p:cNvGrpSpPr/>
+        <p:nvPr/>
+      </p:nvGrpSpPr>
+      <p:grpSpPr>
+        <a:xfrm>
+          <a:off x="0" y="0"/>
+          <a:ext cx="0" cy="0"/>
+          <a:chOff x="0" y="0"/>
+          <a:chExt cx="0" cy="0"/>
+        </a:xfrm>
+      </p:grpSpPr>
+      <p:grpSp>
+        <p:nvGrpSpPr>
+          <p:cNvPr id="1001" name="그룹 1001"/>
+          <p:cNvGrpSpPr/>
+          <p:nvPr/>
+        </p:nvGrpSpPr>
+        <p:grpSpPr>
+          <a:xfrm>
+            <a:off x="3912387" y="3796970"/>
+            <a:ext cx="9641282" cy="3035561"/>
+            <a:chOff x="3912387" y="3796970"/>
+            <a:chExt cx="9641282" cy="3035561"/>
+          </a:xfrm>
+        </p:grpSpPr>
+        <p:pic>
+          <p:nvPicPr>
+            <p:cNvPr id="3" name="Object 2"/>
+            <p:cNvPicPr>
+              <a:picLocks noChangeAspect="1"/>
+            </p:cNvPicPr>
+            <p:nvPr/>
+          </p:nvPicPr>
+          <p:blipFill>
+            <a:blip r:embed="rId2" cstate="print"/>
+            <a:stretch>
+              <a:fillRect/>
+            </a:stretch>
+          </p:blipFill>
+          <p:spPr>
+            <a:xfrm>
+              <a:off x="3912387" y="3796970"/>
+              <a:ext cx="9641282" cy="3035561"/>
+            </a:xfrm>
+            <a:prstGeom prst="rect">
+              <a:avLst/>
+            </a:prstGeom>
+          </p:spPr>
+        </p:pic>
+      </p:grpSp>
+      <p:grpSp>
+        <p:nvGrpSpPr>
+          <p:cNvPr id="1002" name="그룹 1002"/>
+          <p:cNvGrpSpPr/>
+          <p:nvPr/>
+        </p:nvGrpSpPr>
+        <p:grpSpPr>
+          <a:xfrm>
+            <a:off x="-152381" y="1161905"/>
+            <a:ext cx="18590476" cy="106667"/>
+            <a:chOff x="-152381" y="1161905"/>
+            <a:chExt cx="18590476" cy="106667"/>
+          </a:xfrm>
+        </p:grpSpPr>
+        <p:pic>
+          <p:nvPicPr>
+            <p:cNvPr id="6" name="Object 5"/>
+            <p:cNvPicPr>
+              <a:picLocks noChangeAspect="1"/>
+            </p:cNvPicPr>
+            <p:nvPr/>
+          </p:nvPicPr>
+          <p:blipFill>
+            <a:blip r:embed="rId3" cstate="print"/>
+            <a:stretch>
+              <a:fillRect/>
+            </a:stretch>
+          </p:blipFill>
+          <p:spPr>
+            <a:xfrm rot="-10800000">
+              <a:off x="-152381" y="1161905"/>
+              <a:ext cx="18590476" cy="106667"/>
+            </a:xfrm>
+            <a:prstGeom prst="rect">
+              <a:avLst/>
+            </a:prstGeom>
+          </p:spPr>
+        </p:pic>
+      </p:grpSp>
+      <p:pic>
+        <p:nvPicPr>
+          <p:cNvPr id="8" name="Object 7"/>
+          <p:cNvPicPr>
+            <a:picLocks noChangeAspect="1"/>
+          </p:cNvPicPr>
+          <p:nvPr/>
+        </p:nvPicPr>
+        <p:blipFill>
+          <a:blip r:embed="rId4" cstate="print"/>
+          <a:stretch>
+            <a:fillRect/>
+          </a:stretch>
+        </p:blipFill>
+        <p:spPr>
+          <a:xfrm>
+            <a:off x="4833426" y="4015417"/>
+            <a:ext cx="6978635" cy="2933624"/>
+          </a:xfrm>
+          <a:prstGeom prst="rect">
+            <a:avLst/>
+          </a:prstGeom>
+        </p:spPr>
+      </p:pic>
+      <p:pic>
+        <p:nvPicPr>
+          <p:cNvPr id="9" name="Object 8"/>
+          <p:cNvPicPr>
+            <a:picLocks noChangeAspect="1"/>
+          </p:cNvPicPr>
+          <p:nvPr/>
+        </p:nvPicPr>
+        <p:blipFill>
+          <a:blip r:embed="rId5" cstate="print"/>
+          <a:stretch>
+            <a:fillRect/>
+          </a:stretch>
+        </p:blipFill>
+        <p:spPr>
+          <a:xfrm>
+            <a:off x="52338" y="575592"/>
+            <a:ext cx="6907857" cy="577509"/>
+          </a:xfrm>
+          <a:prstGeom prst="rect">
+            <a:avLst/>
+          </a:prstGeom>
+        </p:spPr>
+      </p:pic>
+    </p:spTree>
+  </p:cSld>
+  <p:clrMapOvr>
+    <a:masterClrMapping/>
+  </p:clrMapOvr>
+</p:sld>
+</file>
+
+<file path=ppt/slides/slide23.xml><?xml version="1.0" encoding="utf-8"?>
+<p:sld xmlns:a="http://schemas.openxmlformats.org/drawingml/2006/main" xmlns:r="http://schemas.openxmlformats.org/officeDocument/2006/relationships" xmlns:p="http://schemas.openxmlformats.org/presentationml/2006/main">
+  <p:cSld name="Slide 23">
+    <p:bg>
+      <p:bgPr>
+        <a:solidFill>
+          <a:srgbClr val="F5F5F5"/>
+        </a:solidFill>
+        <a:effectLst/>
+      </p:bgPr>
+    </p:bg>
+    <p:spTree>
+      <p:nvGrpSpPr>
+        <p:cNvPr id="1" name=""/>
+        <p:cNvGrpSpPr/>
+        <p:nvPr/>
+      </p:nvGrpSpPr>
+      <p:grpSpPr>
+        <a:xfrm>
+          <a:off x="0" y="0"/>
+          <a:ext cx="0" cy="0"/>
+          <a:chOff x="0" y="0"/>
+          <a:chExt cx="0" cy="0"/>
+        </a:xfrm>
+      </p:grpSpPr>
+      <p:grpSp>
+        <p:nvGrpSpPr>
+          <p:cNvPr id="1001" name="그룹 1001"/>
+          <p:cNvGrpSpPr/>
+          <p:nvPr/>
+        </p:nvGrpSpPr>
+        <p:grpSpPr>
+          <a:xfrm>
+            <a:off x="3912387" y="3796970"/>
+            <a:ext cx="9641282" cy="3035561"/>
+            <a:chOff x="3912387" y="3796970"/>
+            <a:chExt cx="9641282" cy="3035561"/>
+          </a:xfrm>
+        </p:grpSpPr>
+        <p:pic>
+          <p:nvPicPr>
+            <p:cNvPr id="3" name="Object 2"/>
+            <p:cNvPicPr>
+              <a:picLocks noChangeAspect="1"/>
+            </p:cNvPicPr>
+            <p:nvPr/>
+          </p:nvPicPr>
+          <p:blipFill>
+            <a:blip r:embed="rId2" cstate="print"/>
+            <a:stretch>
+              <a:fillRect/>
+            </a:stretch>
+          </p:blipFill>
+          <p:spPr>
+            <a:xfrm>
+              <a:off x="3912387" y="3796970"/>
+              <a:ext cx="9641282" cy="3035561"/>
+            </a:xfrm>
+            <a:prstGeom prst="rect">
+              <a:avLst/>
+            </a:prstGeom>
+          </p:spPr>
+        </p:pic>
+      </p:grpSp>
+      <p:grpSp>
+        <p:nvGrpSpPr>
+          <p:cNvPr id="1002" name="그룹 1002"/>
+          <p:cNvGrpSpPr/>
+          <p:nvPr/>
+        </p:nvGrpSpPr>
+        <p:grpSpPr>
+          <a:xfrm>
+            <a:off x="-152381" y="1161905"/>
+            <a:ext cx="18590476" cy="106667"/>
+            <a:chOff x="-152381" y="1161905"/>
+            <a:chExt cx="18590476" cy="106667"/>
+          </a:xfrm>
+        </p:grpSpPr>
+        <p:pic>
+          <p:nvPicPr>
+            <p:cNvPr id="6" name="Object 5"/>
+            <p:cNvPicPr>
+              <a:picLocks noChangeAspect="1"/>
+            </p:cNvPicPr>
+            <p:nvPr/>
+          </p:nvPicPr>
+          <p:blipFill>
+            <a:blip r:embed="rId3" cstate="print"/>
+            <a:stretch>
+              <a:fillRect/>
+            </a:stretch>
+          </p:blipFill>
+          <p:spPr>
+            <a:xfrm rot="-10800000">
+              <a:off x="-152381" y="1161905"/>
+              <a:ext cx="18590476" cy="106667"/>
+            </a:xfrm>
+            <a:prstGeom prst="rect">
+              <a:avLst/>
+            </a:prstGeom>
+          </p:spPr>
+        </p:pic>
+      </p:grpSp>
+      <p:pic>
+        <p:nvPicPr>
+          <p:cNvPr id="8" name="Object 7"/>
+          <p:cNvPicPr>
+            <a:picLocks noChangeAspect="1"/>
+          </p:cNvPicPr>
+          <p:nvPr/>
+        </p:nvPicPr>
+        <p:blipFill>
+          <a:blip r:embed="rId4" cstate="print"/>
+          <a:stretch>
+            <a:fillRect/>
+          </a:stretch>
+        </p:blipFill>
+        <p:spPr>
+          <a:xfrm>
+            <a:off x="4833425" y="4127197"/>
+            <a:ext cx="9151225" cy="2821835"/>
+          </a:xfrm>
+          <a:prstGeom prst="rect">
+            <a:avLst/>
+          </a:prstGeom>
+        </p:spPr>
+      </p:pic>
+      <p:pic>
+        <p:nvPicPr>
+          <p:cNvPr id="9" name="Object 8"/>
+          <p:cNvPicPr>
+            <a:picLocks noChangeAspect="1"/>
+          </p:cNvPicPr>
+          <p:nvPr/>
+        </p:nvPicPr>
+        <p:blipFill>
+          <a:blip r:embed="rId5" cstate="print"/>
+          <a:stretch>
+            <a:fillRect/>
+          </a:stretch>
+        </p:blipFill>
+        <p:spPr>
+          <a:xfrm>
+            <a:off x="52338" y="575592"/>
+            <a:ext cx="6907857" cy="577509"/>
+          </a:xfrm>
+          <a:prstGeom prst="rect">
+            <a:avLst/>
+          </a:prstGeom>
+        </p:spPr>
+      </p:pic>
     </p:spTree>
   </p:cSld>
   <p:clrMapOvr>
